--- a/Template files/Template02.pptx
+++ b/Template files/Template02.pptx
@@ -792,7 +792,7 @@
           <a:p>
             <a:fld id="{4347F184-537C-42E6-A959-5DFA1A1FC0E7}" type="datetimeFigureOut">
               <a:rPr lang="en-US" smtClean="0"/>
-              <a:t>8/17/2023</a:t>
+              <a:t>4/14/2024</a:t>
             </a:fld>
             <a:endParaRPr lang="en-US"/>
           </a:p>
@@ -2066,7 +2066,7 @@
           <a:p>
             <a:fld id="{37A3E054-792B-43D6-ACF0-7B6248230ED4}" type="datetimeFigureOut">
               <a:rPr lang="en-GB" smtClean="0"/>
-              <a:t>17/08/2023</a:t>
+              <a:t>14/04/2024</a:t>
             </a:fld>
             <a:endParaRPr lang="en-GB"/>
           </a:p>
@@ -2236,7 +2236,7 @@
           <a:p>
             <a:fld id="{37A3E054-792B-43D6-ACF0-7B6248230ED4}" type="datetimeFigureOut">
               <a:rPr lang="en-GB" smtClean="0"/>
-              <a:t>17/08/2023</a:t>
+              <a:t>14/04/2024</a:t>
             </a:fld>
             <a:endParaRPr lang="en-GB"/>
           </a:p>
@@ -2416,7 +2416,7 @@
           <a:p>
             <a:fld id="{37A3E054-792B-43D6-ACF0-7B6248230ED4}" type="datetimeFigureOut">
               <a:rPr lang="en-GB" smtClean="0"/>
-              <a:t>17/08/2023</a:t>
+              <a:t>14/04/2024</a:t>
             </a:fld>
             <a:endParaRPr lang="en-GB"/>
           </a:p>
@@ -2586,7 +2586,7 @@
           <a:p>
             <a:fld id="{37A3E054-792B-43D6-ACF0-7B6248230ED4}" type="datetimeFigureOut">
               <a:rPr lang="en-GB" smtClean="0"/>
-              <a:t>17/08/2023</a:t>
+              <a:t>14/04/2024</a:t>
             </a:fld>
             <a:endParaRPr lang="en-GB"/>
           </a:p>
@@ -2830,7 +2830,7 @@
           <a:p>
             <a:fld id="{37A3E054-792B-43D6-ACF0-7B6248230ED4}" type="datetimeFigureOut">
               <a:rPr lang="en-GB" smtClean="0"/>
-              <a:t>17/08/2023</a:t>
+              <a:t>14/04/2024</a:t>
             </a:fld>
             <a:endParaRPr lang="en-GB"/>
           </a:p>
@@ -3062,7 +3062,7 @@
           <a:p>
             <a:fld id="{37A3E054-792B-43D6-ACF0-7B6248230ED4}" type="datetimeFigureOut">
               <a:rPr lang="en-GB" smtClean="0"/>
-              <a:t>17/08/2023</a:t>
+              <a:t>14/04/2024</a:t>
             </a:fld>
             <a:endParaRPr lang="en-GB"/>
           </a:p>
@@ -3429,7 +3429,7 @@
           <a:p>
             <a:fld id="{37A3E054-792B-43D6-ACF0-7B6248230ED4}" type="datetimeFigureOut">
               <a:rPr lang="en-GB" smtClean="0"/>
-              <a:t>17/08/2023</a:t>
+              <a:t>14/04/2024</a:t>
             </a:fld>
             <a:endParaRPr lang="en-GB"/>
           </a:p>
@@ -3547,7 +3547,7 @@
           <a:p>
             <a:fld id="{37A3E054-792B-43D6-ACF0-7B6248230ED4}" type="datetimeFigureOut">
               <a:rPr lang="en-GB" smtClean="0"/>
-              <a:t>17/08/2023</a:t>
+              <a:t>14/04/2024</a:t>
             </a:fld>
             <a:endParaRPr lang="en-GB"/>
           </a:p>
@@ -3642,7 +3642,7 @@
           <a:p>
             <a:fld id="{37A3E054-792B-43D6-ACF0-7B6248230ED4}" type="datetimeFigureOut">
               <a:rPr lang="en-GB" smtClean="0"/>
-              <a:t>17/08/2023</a:t>
+              <a:t>14/04/2024</a:t>
             </a:fld>
             <a:endParaRPr lang="en-GB"/>
           </a:p>
@@ -3919,7 +3919,7 @@
           <a:p>
             <a:fld id="{37A3E054-792B-43D6-ACF0-7B6248230ED4}" type="datetimeFigureOut">
               <a:rPr lang="en-GB" smtClean="0"/>
-              <a:t>17/08/2023</a:t>
+              <a:t>14/04/2024</a:t>
             </a:fld>
             <a:endParaRPr lang="en-GB"/>
           </a:p>
@@ -4176,7 +4176,7 @@
           <a:p>
             <a:fld id="{37A3E054-792B-43D6-ACF0-7B6248230ED4}" type="datetimeFigureOut">
               <a:rPr lang="en-GB" smtClean="0"/>
-              <a:t>17/08/2023</a:t>
+              <a:t>14/04/2024</a:t>
             </a:fld>
             <a:endParaRPr lang="en-GB"/>
           </a:p>
@@ -4389,7 +4389,7 @@
           <a:p>
             <a:fld id="{37A3E054-792B-43D6-ACF0-7B6248230ED4}" type="datetimeFigureOut">
               <a:rPr lang="en-GB" smtClean="0"/>
-              <a:t>17/08/2023</a:t>
+              <a:t>14/04/2024</a:t>
             </a:fld>
             <a:endParaRPr lang="en-GB"/>
           </a:p>
@@ -4863,7 +4863,7 @@
         <p:spPr>
           <a:xfrm>
             <a:off x="1806" y="124097"/>
-            <a:ext cx="4654061" cy="884858"/>
+            <a:ext cx="4654061" cy="1054135"/>
           </a:xfrm>
           <a:prstGeom prst="rect">
             <a:avLst/>
@@ -4932,7 +4932,7 @@
                 <a:ea typeface="Cambria"/>
                 <a:cs typeface="Calibri Light"/>
               </a:rPr>
-              <a:t>Kuldeep is ……. &lt;</a:t>
+              <a:t>Kuldeep is &lt;</a:t>
             </a:r>
             <a:r>
               <a:rPr lang="en-US" sz="1100" dirty="0">
@@ -4952,6 +4952,182 @@
                 <a:cs typeface="Calibri Light"/>
               </a:rPr>
               <a:t>&gt;</a:t>
+            </a:r>
+            <a:r>
+              <a:rPr lang="en-GB" sz="1100" dirty="0">
+                <a:latin typeface="Calibri Light"/>
+                <a:ea typeface="Cambria"/>
+                <a:cs typeface="Calibri Light"/>
+              </a:rPr>
+              <a:t>. Lorem ipsum </a:t>
+            </a:r>
+            <a:r>
+              <a:rPr lang="en-GB" sz="1100" dirty="0" err="1">
+                <a:latin typeface="Calibri Light"/>
+                <a:ea typeface="Cambria"/>
+                <a:cs typeface="Calibri Light"/>
+              </a:rPr>
+              <a:t>dolor</a:t>
+            </a:r>
+            <a:r>
+              <a:rPr lang="en-GB" sz="1100" dirty="0">
+                <a:latin typeface="Calibri Light"/>
+                <a:ea typeface="Cambria"/>
+                <a:cs typeface="Calibri Light"/>
+              </a:rPr>
+              <a:t> sit </a:t>
+            </a:r>
+            <a:r>
+              <a:rPr lang="en-GB" sz="1100" dirty="0" err="1">
+                <a:latin typeface="Calibri Light"/>
+                <a:ea typeface="Cambria"/>
+                <a:cs typeface="Calibri Light"/>
+              </a:rPr>
+              <a:t>amet</a:t>
+            </a:r>
+            <a:r>
+              <a:rPr lang="en-GB" sz="1100" dirty="0">
+                <a:latin typeface="Calibri Light"/>
+                <a:ea typeface="Cambria"/>
+                <a:cs typeface="Calibri Light"/>
+              </a:rPr>
+              <a:t>, </a:t>
+            </a:r>
+            <a:r>
+              <a:rPr lang="en-GB" sz="1100" dirty="0" err="1">
+                <a:latin typeface="Calibri Light"/>
+                <a:ea typeface="Cambria"/>
+                <a:cs typeface="Calibri Light"/>
+              </a:rPr>
+              <a:t>consectetur</a:t>
+            </a:r>
+            <a:r>
+              <a:rPr lang="en-GB" sz="1100" dirty="0">
+                <a:latin typeface="Calibri Light"/>
+                <a:ea typeface="Cambria"/>
+                <a:cs typeface="Calibri Light"/>
+              </a:rPr>
+              <a:t> </a:t>
+            </a:r>
+            <a:r>
+              <a:rPr lang="en-GB" sz="1100" dirty="0" err="1">
+                <a:latin typeface="Calibri Light"/>
+                <a:ea typeface="Cambria"/>
+                <a:cs typeface="Calibri Light"/>
+              </a:rPr>
+              <a:t>adipiscing</a:t>
+            </a:r>
+            <a:r>
+              <a:rPr lang="en-GB" sz="1100" dirty="0">
+                <a:latin typeface="Calibri Light"/>
+                <a:ea typeface="Cambria"/>
+                <a:cs typeface="Calibri Light"/>
+              </a:rPr>
+              <a:t> </a:t>
+            </a:r>
+            <a:r>
+              <a:rPr lang="en-GB" sz="1100" dirty="0" err="1">
+                <a:latin typeface="Calibri Light"/>
+                <a:ea typeface="Cambria"/>
+                <a:cs typeface="Calibri Light"/>
+              </a:rPr>
+              <a:t>elit</a:t>
+            </a:r>
+            <a:r>
+              <a:rPr lang="en-GB" sz="1100" dirty="0">
+                <a:latin typeface="Calibri Light"/>
+                <a:ea typeface="Cambria"/>
+                <a:cs typeface="Calibri Light"/>
+              </a:rPr>
+              <a:t>, </a:t>
+            </a:r>
+            <a:r>
+              <a:rPr lang="en-GB" sz="1100" dirty="0" err="1">
+                <a:latin typeface="Calibri Light"/>
+                <a:ea typeface="Cambria"/>
+                <a:cs typeface="Calibri Light"/>
+              </a:rPr>
+              <a:t>sed</a:t>
+            </a:r>
+            <a:r>
+              <a:rPr lang="en-GB" sz="1100" dirty="0">
+                <a:latin typeface="Calibri Light"/>
+                <a:ea typeface="Cambria"/>
+                <a:cs typeface="Calibri Light"/>
+              </a:rPr>
+              <a:t> do </a:t>
+            </a:r>
+            <a:r>
+              <a:rPr lang="en-GB" sz="1100" dirty="0" err="1">
+                <a:latin typeface="Calibri Light"/>
+                <a:ea typeface="Cambria"/>
+                <a:cs typeface="Calibri Light"/>
+              </a:rPr>
+              <a:t>eiusmod</a:t>
+            </a:r>
+            <a:r>
+              <a:rPr lang="en-GB" sz="1100" dirty="0">
+                <a:latin typeface="Calibri Light"/>
+                <a:ea typeface="Cambria"/>
+                <a:cs typeface="Calibri Light"/>
+              </a:rPr>
+              <a:t> </a:t>
+            </a:r>
+            <a:r>
+              <a:rPr lang="en-GB" sz="1100" dirty="0" err="1">
+                <a:latin typeface="Calibri Light"/>
+                <a:ea typeface="Cambria"/>
+                <a:cs typeface="Calibri Light"/>
+              </a:rPr>
+              <a:t>tempor</a:t>
+            </a:r>
+            <a:r>
+              <a:rPr lang="en-GB" sz="1100" dirty="0">
+                <a:latin typeface="Calibri Light"/>
+                <a:ea typeface="Cambria"/>
+                <a:cs typeface="Calibri Light"/>
+              </a:rPr>
+              <a:t> </a:t>
+            </a:r>
+            <a:r>
+              <a:rPr lang="en-GB" sz="1100" dirty="0" err="1">
+                <a:latin typeface="Calibri Light"/>
+                <a:ea typeface="Cambria"/>
+                <a:cs typeface="Calibri Light"/>
+              </a:rPr>
+              <a:t>incididunt</a:t>
+            </a:r>
+            <a:r>
+              <a:rPr lang="en-GB" sz="1100" dirty="0">
+                <a:latin typeface="Calibri Light"/>
+                <a:ea typeface="Cambria"/>
+                <a:cs typeface="Calibri Light"/>
+              </a:rPr>
+              <a:t> </a:t>
+            </a:r>
+            <a:r>
+              <a:rPr lang="en-GB" sz="1100" dirty="0" err="1">
+                <a:latin typeface="Calibri Light"/>
+                <a:ea typeface="Cambria"/>
+                <a:cs typeface="Calibri Light"/>
+              </a:rPr>
+              <a:t>ut</a:t>
+            </a:r>
+            <a:r>
+              <a:rPr lang="en-GB" sz="1100" dirty="0">
+                <a:latin typeface="Calibri Light"/>
+                <a:ea typeface="Cambria"/>
+                <a:cs typeface="Calibri Light"/>
+              </a:rPr>
+              <a:t> labore et dolore magna </a:t>
+            </a:r>
+            <a:r>
+              <a:rPr lang="en-GB" sz="1100" dirty="0" err="1">
+                <a:latin typeface="Calibri Light"/>
+                <a:ea typeface="Cambria"/>
+                <a:cs typeface="Calibri Light"/>
+              </a:rPr>
+              <a:t>aliqua</a:t>
             </a:r>
             <a:r>
               <a:rPr lang="en-GB" sz="1100" dirty="0">
@@ -5563,7 +5739,7 @@
                   <a:cs typeface="Calibri Light" panose="020F0302020204030204" pitchFamily="34" charset="0"/>
                   <a:hlinkClick r:id="rId13"/>
                 </a:rPr>
-                <a:t>https://kuldeepsingh-in.github.io</a:t>
+                <a:t>https://kuldeep-in.github.io</a:t>
               </a:r>
               <a:endParaRPr lang="en-GB" sz="900" dirty="0"/>
             </a:p>
@@ -5675,7 +5851,7 @@
                   <a:cs typeface="Calibri Light" panose="020F0302020204030204" pitchFamily="34" charset="0"/>
                   <a:hlinkClick r:id="rId16"/>
                 </a:rPr>
-                <a:t>kuldeepsingh</a:t>
+                <a:t>kuldeep</a:t>
               </a:r>
               <a:r>
                 <a:rPr lang="en-GB" sz="1000" dirty="0">
@@ -5787,7 +5963,7 @@
                   <a:cs typeface="Calibri Light" panose="020F0302020204030204" pitchFamily="34" charset="0"/>
                   <a:hlinkClick r:id="rId18"/>
                 </a:rPr>
-                <a:t>https://github.com/kuldeepsingh-in</a:t>
+                <a:t>https://github.com/kuldeep-in</a:t>
               </a:r>
               <a:endParaRPr lang="en-GB" sz="900" dirty="0">
                 <a:latin typeface="Calibri Light" panose="020F0302020204030204" pitchFamily="34" charset="0"/>
@@ -5946,9 +6122,9 @@
         <p:grpSpPr>
           <a:xfrm>
             <a:off x="2169215" y="1463193"/>
-            <a:ext cx="4660935" cy="4611031"/>
+            <a:ext cx="4660935" cy="5234766"/>
             <a:chOff x="2169215" y="1463193"/>
-            <a:chExt cx="4660935" cy="4611031"/>
+            <a:chExt cx="4660935" cy="5234766"/>
           </a:xfrm>
         </p:grpSpPr>
         <p:sp>
@@ -6150,10 +6326,10 @@
           </p:nvGrpSpPr>
           <p:grpSpPr>
             <a:xfrm>
-              <a:off x="2169215" y="5179104"/>
-              <a:ext cx="4615981" cy="895120"/>
-              <a:chOff x="112108" y="4211148"/>
-              <a:chExt cx="4468869" cy="948089"/>
+              <a:off x="2169215" y="4340903"/>
+              <a:ext cx="4373347" cy="2357056"/>
+              <a:chOff x="112108" y="3323349"/>
+              <a:chExt cx="4233968" cy="2496536"/>
             </a:xfrm>
           </p:grpSpPr>
           <p:sp>
@@ -6170,8 +6346,8 @@
             </p:nvSpPr>
             <p:spPr>
               <a:xfrm>
-                <a:off x="112108" y="4211148"/>
-                <a:ext cx="4468869" cy="948089"/>
+                <a:off x="112108" y="3323349"/>
+                <a:ext cx="4233968" cy="2496536"/>
               </a:xfrm>
               <a:prstGeom prst="rect">
                 <a:avLst/>
@@ -6212,7 +6388,7 @@
                     <a:ea typeface="Calibri" panose="020F0502020204030204" pitchFamily="34" charset="0"/>
                     <a:cs typeface="Calibri" panose="020F0502020204030204" pitchFamily="34" charset="0"/>
                   </a:rPr>
-                  <a:t>            Cloud Solution Architect</a:t>
+                  <a:t>            Cloud Solutions Architect</a:t>
                 </a:r>
                 <a:endParaRPr lang="en-US" sz="1200" dirty="0">
                   <a:effectLst/>
@@ -6323,6 +6499,1349 @@
                     <a:cs typeface="Calibri Light" panose="020F0302020204030204" pitchFamily="34" charset="0"/>
                   </a:rPr>
                   <a:t>&gt;</a:t>
+                </a:r>
+              </a:p>
+              <a:p>
+                <a:pPr marL="279450" indent="-171450" algn="just">
+                  <a:spcBef>
+                    <a:spcPts val="300"/>
+                  </a:spcBef>
+                  <a:buSzPct val="100000"/>
+                  <a:buFont typeface="Wingdings" panose="05000000000000000000" pitchFamily="2" charset="2"/>
+                  <a:buChar char="q"/>
+                </a:pPr>
+                <a:r>
+                  <a:rPr lang="en-IN" sz="1100" b="0" i="0" dirty="0">
+                    <a:solidFill>
+                      <a:srgbClr val="212529"/>
+                    </a:solidFill>
+                    <a:effectLst/>
+                    <a:highlight>
+                      <a:srgbClr val="FFFFFF"/>
+                    </a:highlight>
+                    <a:latin typeface="system-ui"/>
+                  </a:rPr>
+                  <a:t>Loren </a:t>
+                </a:r>
+                <a:r>
+                  <a:rPr lang="en-IN" sz="1100" b="0" i="0" dirty="0" err="1">
+                    <a:solidFill>
+                      <a:srgbClr val="212529"/>
+                    </a:solidFill>
+                    <a:effectLst/>
+                    <a:highlight>
+                      <a:srgbClr val="FFFFFF"/>
+                    </a:highlight>
+                    <a:latin typeface="system-ui"/>
+                  </a:rPr>
+                  <a:t>ipsun</a:t>
+                </a:r>
+                <a:r>
+                  <a:rPr lang="en-IN" sz="1100" b="0" i="0" dirty="0">
+                    <a:solidFill>
+                      <a:srgbClr val="212529"/>
+                    </a:solidFill>
+                    <a:effectLst/>
+                    <a:highlight>
+                      <a:srgbClr val="FFFFFF"/>
+                    </a:highlight>
+                    <a:latin typeface="system-ui"/>
+                  </a:rPr>
+                  <a:t> </a:t>
+                </a:r>
+                <a:r>
+                  <a:rPr lang="en-IN" sz="1100" b="0" i="0" dirty="0" err="1">
+                    <a:solidFill>
+                      <a:srgbClr val="212529"/>
+                    </a:solidFill>
+                    <a:effectLst/>
+                    <a:highlight>
+                      <a:srgbClr val="FFFFFF"/>
+                    </a:highlight>
+                    <a:latin typeface="system-ui"/>
+                  </a:rPr>
+                  <a:t>dolor</a:t>
+                </a:r>
+                <a:r>
+                  <a:rPr lang="en-IN" sz="1100" b="0" i="0" dirty="0">
+                    <a:solidFill>
+                      <a:srgbClr val="212529"/>
+                    </a:solidFill>
+                    <a:effectLst/>
+                    <a:highlight>
+                      <a:srgbClr val="FFFFFF"/>
+                    </a:highlight>
+                    <a:latin typeface="system-ui"/>
+                  </a:rPr>
+                  <a:t> sit </a:t>
+                </a:r>
+                <a:r>
+                  <a:rPr lang="en-IN" sz="1100" b="0" i="0" dirty="0" err="1">
+                    <a:solidFill>
+                      <a:srgbClr val="212529"/>
+                    </a:solidFill>
+                    <a:effectLst/>
+                    <a:highlight>
+                      <a:srgbClr val="FFFFFF"/>
+                    </a:highlight>
+                    <a:latin typeface="system-ui"/>
+                  </a:rPr>
+                  <a:t>anet</a:t>
+                </a:r>
+                <a:r>
+                  <a:rPr lang="en-IN" sz="1100" b="0" i="0" dirty="0">
+                    <a:solidFill>
+                      <a:srgbClr val="212529"/>
+                    </a:solidFill>
+                    <a:effectLst/>
+                    <a:highlight>
+                      <a:srgbClr val="FFFFFF"/>
+                    </a:highlight>
+                    <a:latin typeface="system-ui"/>
+                  </a:rPr>
+                  <a:t>, </a:t>
+                </a:r>
+                <a:r>
+                  <a:rPr lang="en-IN" sz="1100" b="0" i="0" dirty="0" err="1">
+                    <a:solidFill>
+                      <a:srgbClr val="212529"/>
+                    </a:solidFill>
+                    <a:effectLst/>
+                    <a:highlight>
+                      <a:srgbClr val="FFFFFF"/>
+                    </a:highlight>
+                    <a:latin typeface="system-ui"/>
+                  </a:rPr>
+                  <a:t>consectetur</a:t>
+                </a:r>
+                <a:r>
+                  <a:rPr lang="en-IN" sz="1100" b="0" i="0" dirty="0">
+                    <a:solidFill>
+                      <a:srgbClr val="212529"/>
+                    </a:solidFill>
+                    <a:effectLst/>
+                    <a:highlight>
+                      <a:srgbClr val="FFFFFF"/>
+                    </a:highlight>
+                    <a:latin typeface="system-ui"/>
+                  </a:rPr>
+                  <a:t> </a:t>
+                </a:r>
+                <a:r>
+                  <a:rPr lang="en-IN" sz="1100" b="0" i="0" dirty="0" err="1">
+                    <a:solidFill>
+                      <a:srgbClr val="212529"/>
+                    </a:solidFill>
+                    <a:effectLst/>
+                    <a:highlight>
+                      <a:srgbClr val="FFFFFF"/>
+                    </a:highlight>
+                    <a:latin typeface="system-ui"/>
+                  </a:rPr>
+                  <a:t>adipisci</a:t>
+                </a:r>
+                <a:r>
+                  <a:rPr lang="en-IN" sz="1100" b="0" i="0" dirty="0">
+                    <a:solidFill>
+                      <a:srgbClr val="212529"/>
+                    </a:solidFill>
+                    <a:effectLst/>
+                    <a:highlight>
+                      <a:srgbClr val="FFFFFF"/>
+                    </a:highlight>
+                    <a:latin typeface="system-ui"/>
+                  </a:rPr>
+                  <a:t> </a:t>
+                </a:r>
+                <a:r>
+                  <a:rPr lang="en-IN" sz="1100" b="0" i="0" dirty="0" err="1">
+                    <a:solidFill>
+                      <a:srgbClr val="212529"/>
+                    </a:solidFill>
+                    <a:effectLst/>
+                    <a:highlight>
+                      <a:srgbClr val="FFFFFF"/>
+                    </a:highlight>
+                    <a:latin typeface="system-ui"/>
+                  </a:rPr>
+                  <a:t>elit</a:t>
+                </a:r>
+                <a:r>
+                  <a:rPr lang="en-IN" sz="1100" b="0" i="0" dirty="0">
+                    <a:solidFill>
+                      <a:srgbClr val="212529"/>
+                    </a:solidFill>
+                    <a:effectLst/>
+                    <a:highlight>
+                      <a:srgbClr val="FFFFFF"/>
+                    </a:highlight>
+                    <a:latin typeface="system-ui"/>
+                  </a:rPr>
+                  <a:t>, </a:t>
+                </a:r>
+                <a:r>
+                  <a:rPr lang="en-IN" sz="1100" b="0" i="0" dirty="0" err="1">
+                    <a:solidFill>
+                      <a:srgbClr val="212529"/>
+                    </a:solidFill>
+                    <a:effectLst/>
+                    <a:highlight>
+                      <a:srgbClr val="FFFFFF"/>
+                    </a:highlight>
+                    <a:latin typeface="system-ui"/>
+                  </a:rPr>
+                  <a:t>sed</a:t>
+                </a:r>
+                <a:r>
+                  <a:rPr lang="en-IN" sz="1100" b="0" i="0" dirty="0">
+                    <a:solidFill>
+                      <a:srgbClr val="212529"/>
+                    </a:solidFill>
+                    <a:effectLst/>
+                    <a:highlight>
+                      <a:srgbClr val="FFFFFF"/>
+                    </a:highlight>
+                    <a:latin typeface="system-ui"/>
+                  </a:rPr>
+                  <a:t> </a:t>
+                </a:r>
+                <a:r>
+                  <a:rPr lang="en-IN" sz="1100" b="0" i="0" dirty="0" err="1">
+                    <a:solidFill>
+                      <a:srgbClr val="212529"/>
+                    </a:solidFill>
+                    <a:effectLst/>
+                    <a:highlight>
+                      <a:srgbClr val="FFFFFF"/>
+                    </a:highlight>
+                    <a:latin typeface="system-ui"/>
+                  </a:rPr>
+                  <a:t>eiusnod</a:t>
+                </a:r>
+                <a:r>
+                  <a:rPr lang="en-IN" sz="1100" b="0" i="0" dirty="0">
+                    <a:solidFill>
+                      <a:srgbClr val="212529"/>
+                    </a:solidFill>
+                    <a:effectLst/>
+                    <a:highlight>
+                      <a:srgbClr val="FFFFFF"/>
+                    </a:highlight>
+                    <a:latin typeface="system-ui"/>
+                  </a:rPr>
+                  <a:t> </a:t>
+                </a:r>
+                <a:r>
+                  <a:rPr lang="en-IN" sz="1100" b="0" i="0" dirty="0" err="1">
+                    <a:solidFill>
+                      <a:srgbClr val="212529"/>
+                    </a:solidFill>
+                    <a:effectLst/>
+                    <a:highlight>
+                      <a:srgbClr val="FFFFFF"/>
+                    </a:highlight>
+                    <a:latin typeface="system-ui"/>
+                  </a:rPr>
+                  <a:t>tenpor</a:t>
+                </a:r>
+                <a:r>
+                  <a:rPr lang="en-IN" sz="1100" b="0" i="0" dirty="0">
+                    <a:solidFill>
+                      <a:srgbClr val="212529"/>
+                    </a:solidFill>
+                    <a:effectLst/>
+                    <a:highlight>
+                      <a:srgbClr val="FFFFFF"/>
+                    </a:highlight>
+                    <a:latin typeface="system-ui"/>
+                  </a:rPr>
+                  <a:t> </a:t>
+                </a:r>
+                <a:r>
+                  <a:rPr lang="en-IN" sz="1100" b="0" i="0" dirty="0" err="1">
+                    <a:solidFill>
+                      <a:srgbClr val="212529"/>
+                    </a:solidFill>
+                    <a:effectLst/>
+                    <a:highlight>
+                      <a:srgbClr val="FFFFFF"/>
+                    </a:highlight>
+                    <a:latin typeface="system-ui"/>
+                  </a:rPr>
+                  <a:t>incidunt</a:t>
+                </a:r>
+                <a:r>
+                  <a:rPr lang="en-IN" sz="1100" b="0" i="0" dirty="0">
+                    <a:solidFill>
+                      <a:srgbClr val="212529"/>
+                    </a:solidFill>
+                    <a:effectLst/>
+                    <a:highlight>
+                      <a:srgbClr val="FFFFFF"/>
+                    </a:highlight>
+                    <a:latin typeface="system-ui"/>
+                  </a:rPr>
+                  <a:t> </a:t>
+                </a:r>
+                <a:r>
+                  <a:rPr lang="en-IN" sz="1100" b="0" i="0" dirty="0" err="1">
+                    <a:solidFill>
+                      <a:srgbClr val="212529"/>
+                    </a:solidFill>
+                    <a:effectLst/>
+                    <a:highlight>
+                      <a:srgbClr val="FFFFFF"/>
+                    </a:highlight>
+                    <a:latin typeface="system-ui"/>
+                  </a:rPr>
+                  <a:t>ut</a:t>
+                </a:r>
+                <a:r>
+                  <a:rPr lang="en-IN" sz="1100" b="0" i="0" dirty="0">
+                    <a:solidFill>
+                      <a:srgbClr val="212529"/>
+                    </a:solidFill>
+                    <a:effectLst/>
+                    <a:highlight>
+                      <a:srgbClr val="FFFFFF"/>
+                    </a:highlight>
+                    <a:latin typeface="system-ui"/>
+                  </a:rPr>
+                  <a:t> labore et dolore </a:t>
+                </a:r>
+                <a:r>
+                  <a:rPr lang="en-IN" sz="1100" b="0" i="0" dirty="0" err="1">
+                    <a:solidFill>
+                      <a:srgbClr val="212529"/>
+                    </a:solidFill>
+                    <a:effectLst/>
+                    <a:highlight>
+                      <a:srgbClr val="FFFFFF"/>
+                    </a:highlight>
+                    <a:latin typeface="system-ui"/>
+                  </a:rPr>
+                  <a:t>nagna</a:t>
+                </a:r>
+                <a:r>
+                  <a:rPr lang="en-IN" sz="1100" b="0" i="0" dirty="0">
+                    <a:solidFill>
+                      <a:srgbClr val="212529"/>
+                    </a:solidFill>
+                    <a:effectLst/>
+                    <a:highlight>
+                      <a:srgbClr val="FFFFFF"/>
+                    </a:highlight>
+                    <a:latin typeface="system-ui"/>
+                  </a:rPr>
+                  <a:t> </a:t>
+                </a:r>
+                <a:r>
+                  <a:rPr lang="en-IN" sz="1100" b="0" i="0" dirty="0" err="1">
+                    <a:solidFill>
+                      <a:srgbClr val="212529"/>
+                    </a:solidFill>
+                    <a:effectLst/>
+                    <a:highlight>
+                      <a:srgbClr val="FFFFFF"/>
+                    </a:highlight>
+                    <a:latin typeface="system-ui"/>
+                  </a:rPr>
+                  <a:t>aliqua</a:t>
+                </a:r>
+                <a:r>
+                  <a:rPr lang="en-IN" sz="1100" b="0" i="0" dirty="0">
+                    <a:solidFill>
+                      <a:srgbClr val="212529"/>
+                    </a:solidFill>
+                    <a:effectLst/>
+                    <a:highlight>
+                      <a:srgbClr val="FFFFFF"/>
+                    </a:highlight>
+                    <a:latin typeface="system-ui"/>
+                  </a:rPr>
+                  <a:t>. </a:t>
+                </a:r>
+              </a:p>
+              <a:p>
+                <a:pPr marL="279450" indent="-171450" algn="just">
+                  <a:spcBef>
+                    <a:spcPts val="300"/>
+                  </a:spcBef>
+                  <a:buSzPct val="100000"/>
+                  <a:buFont typeface="Wingdings" panose="05000000000000000000" pitchFamily="2" charset="2"/>
+                  <a:buChar char="q"/>
+                </a:pPr>
+                <a:r>
+                  <a:rPr lang="en-IN" sz="1100" b="0" i="0" dirty="0">
+                    <a:solidFill>
+                      <a:srgbClr val="212529"/>
+                    </a:solidFill>
+                    <a:effectLst/>
+                    <a:highlight>
+                      <a:srgbClr val="FFFFFF"/>
+                    </a:highlight>
+                    <a:latin typeface="system-ui"/>
+                  </a:rPr>
+                  <a:t>Ut </a:t>
+                </a:r>
+                <a:r>
+                  <a:rPr lang="en-IN" sz="1100" b="0" i="0" dirty="0" err="1">
+                    <a:solidFill>
+                      <a:srgbClr val="212529"/>
+                    </a:solidFill>
+                    <a:effectLst/>
+                    <a:highlight>
+                      <a:srgbClr val="FFFFFF"/>
+                    </a:highlight>
+                    <a:latin typeface="system-ui"/>
+                  </a:rPr>
+                  <a:t>enin</a:t>
+                </a:r>
+                <a:r>
+                  <a:rPr lang="en-IN" sz="1100" b="0" i="0" dirty="0">
+                    <a:solidFill>
+                      <a:srgbClr val="212529"/>
+                    </a:solidFill>
+                    <a:effectLst/>
+                    <a:highlight>
+                      <a:srgbClr val="FFFFFF"/>
+                    </a:highlight>
+                    <a:latin typeface="system-ui"/>
+                  </a:rPr>
+                  <a:t> ad </a:t>
+                </a:r>
+                <a:r>
+                  <a:rPr lang="en-IN" sz="1100" b="0" i="0" dirty="0" err="1">
+                    <a:solidFill>
+                      <a:srgbClr val="212529"/>
+                    </a:solidFill>
+                    <a:effectLst/>
+                    <a:highlight>
+                      <a:srgbClr val="FFFFFF"/>
+                    </a:highlight>
+                    <a:latin typeface="system-ui"/>
+                  </a:rPr>
+                  <a:t>ninin</a:t>
+                </a:r>
+                <a:r>
+                  <a:rPr lang="en-IN" sz="1100" b="0" i="0" dirty="0">
+                    <a:solidFill>
+                      <a:srgbClr val="212529"/>
+                    </a:solidFill>
+                    <a:effectLst/>
+                    <a:highlight>
+                      <a:srgbClr val="FFFFFF"/>
+                    </a:highlight>
+                    <a:latin typeface="system-ui"/>
+                  </a:rPr>
+                  <a:t> </a:t>
+                </a:r>
+                <a:r>
+                  <a:rPr lang="en-IN" sz="1100" b="0" i="0" dirty="0" err="1">
+                    <a:solidFill>
+                      <a:srgbClr val="212529"/>
+                    </a:solidFill>
+                    <a:effectLst/>
+                    <a:highlight>
+                      <a:srgbClr val="FFFFFF"/>
+                    </a:highlight>
+                    <a:latin typeface="system-ui"/>
+                  </a:rPr>
+                  <a:t>venian</a:t>
+                </a:r>
+                <a:r>
+                  <a:rPr lang="en-IN" sz="1100" b="0" i="0" dirty="0">
+                    <a:solidFill>
+                      <a:srgbClr val="212529"/>
+                    </a:solidFill>
+                    <a:effectLst/>
+                    <a:highlight>
+                      <a:srgbClr val="FFFFFF"/>
+                    </a:highlight>
+                    <a:latin typeface="system-ui"/>
+                  </a:rPr>
+                  <a:t>, </a:t>
+                </a:r>
+                <a:r>
+                  <a:rPr lang="en-IN" sz="1100" b="0" i="0" dirty="0" err="1">
+                    <a:solidFill>
+                      <a:srgbClr val="212529"/>
+                    </a:solidFill>
+                    <a:effectLst/>
+                    <a:highlight>
+                      <a:srgbClr val="FFFFFF"/>
+                    </a:highlight>
+                    <a:latin typeface="system-ui"/>
+                  </a:rPr>
+                  <a:t>quis</a:t>
+                </a:r>
+                <a:r>
+                  <a:rPr lang="en-IN" sz="1100" b="0" i="0" dirty="0">
+                    <a:solidFill>
+                      <a:srgbClr val="212529"/>
+                    </a:solidFill>
+                    <a:effectLst/>
+                    <a:highlight>
+                      <a:srgbClr val="FFFFFF"/>
+                    </a:highlight>
+                    <a:latin typeface="system-ui"/>
+                  </a:rPr>
+                  <a:t> </a:t>
+                </a:r>
+                <a:r>
+                  <a:rPr lang="en-IN" sz="1100" b="0" i="0" dirty="0" err="1">
+                    <a:solidFill>
+                      <a:srgbClr val="212529"/>
+                    </a:solidFill>
+                    <a:effectLst/>
+                    <a:highlight>
+                      <a:srgbClr val="FFFFFF"/>
+                    </a:highlight>
+                    <a:latin typeface="system-ui"/>
+                  </a:rPr>
+                  <a:t>nostrun</a:t>
+                </a:r>
+                <a:r>
+                  <a:rPr lang="en-IN" sz="1100" b="0" i="0" dirty="0">
+                    <a:solidFill>
+                      <a:srgbClr val="212529"/>
+                    </a:solidFill>
+                    <a:effectLst/>
+                    <a:highlight>
+                      <a:srgbClr val="FFFFFF"/>
+                    </a:highlight>
+                    <a:latin typeface="system-ui"/>
+                  </a:rPr>
+                  <a:t> </a:t>
+                </a:r>
+                <a:r>
+                  <a:rPr lang="en-IN" sz="1100" b="0" i="0" dirty="0" err="1">
+                    <a:solidFill>
+                      <a:srgbClr val="212529"/>
+                    </a:solidFill>
+                    <a:effectLst/>
+                    <a:highlight>
+                      <a:srgbClr val="FFFFFF"/>
+                    </a:highlight>
+                    <a:latin typeface="system-ui"/>
+                  </a:rPr>
+                  <a:t>exercitationen</a:t>
+                </a:r>
+                <a:r>
+                  <a:rPr lang="en-IN" sz="1100" b="0" i="0" dirty="0">
+                    <a:solidFill>
+                      <a:srgbClr val="212529"/>
+                    </a:solidFill>
+                    <a:effectLst/>
+                    <a:highlight>
+                      <a:srgbClr val="FFFFFF"/>
+                    </a:highlight>
+                    <a:latin typeface="system-ui"/>
+                  </a:rPr>
+                  <a:t> </a:t>
+                </a:r>
+                <a:r>
+                  <a:rPr lang="en-IN" sz="1100" b="0" i="0" dirty="0" err="1">
+                    <a:solidFill>
+                      <a:srgbClr val="212529"/>
+                    </a:solidFill>
+                    <a:effectLst/>
+                    <a:highlight>
+                      <a:srgbClr val="FFFFFF"/>
+                    </a:highlight>
+                    <a:latin typeface="system-ui"/>
+                  </a:rPr>
+                  <a:t>ullan</a:t>
+                </a:r>
+                <a:r>
+                  <a:rPr lang="en-IN" sz="1100" b="0" i="0" dirty="0">
+                    <a:solidFill>
+                      <a:srgbClr val="212529"/>
+                    </a:solidFill>
+                    <a:effectLst/>
+                    <a:highlight>
+                      <a:srgbClr val="FFFFFF"/>
+                    </a:highlight>
+                    <a:latin typeface="system-ui"/>
+                  </a:rPr>
+                  <a:t> corporis </a:t>
+                </a:r>
+                <a:r>
+                  <a:rPr lang="en-IN" sz="1100" b="0" i="0" dirty="0" err="1">
+                    <a:solidFill>
+                      <a:srgbClr val="212529"/>
+                    </a:solidFill>
+                    <a:effectLst/>
+                    <a:highlight>
+                      <a:srgbClr val="FFFFFF"/>
+                    </a:highlight>
+                    <a:latin typeface="system-ui"/>
+                  </a:rPr>
+                  <a:t>suscipit</a:t>
+                </a:r>
+                <a:r>
+                  <a:rPr lang="en-IN" sz="1100" b="0" i="0" dirty="0">
+                    <a:solidFill>
+                      <a:srgbClr val="212529"/>
+                    </a:solidFill>
+                    <a:effectLst/>
+                    <a:highlight>
+                      <a:srgbClr val="FFFFFF"/>
+                    </a:highlight>
+                    <a:latin typeface="system-ui"/>
+                  </a:rPr>
+                  <a:t> </a:t>
+                </a:r>
+                <a:r>
+                  <a:rPr lang="en-IN" sz="1100" b="0" i="0" dirty="0" err="1">
+                    <a:solidFill>
+                      <a:srgbClr val="212529"/>
+                    </a:solidFill>
+                    <a:effectLst/>
+                    <a:highlight>
+                      <a:srgbClr val="FFFFFF"/>
+                    </a:highlight>
+                    <a:latin typeface="system-ui"/>
+                  </a:rPr>
+                  <a:t>laboriosan</a:t>
+                </a:r>
+                <a:r>
+                  <a:rPr lang="en-IN" sz="1100" b="0" i="0" dirty="0">
+                    <a:solidFill>
+                      <a:srgbClr val="212529"/>
+                    </a:solidFill>
+                    <a:effectLst/>
+                    <a:highlight>
+                      <a:srgbClr val="FFFFFF"/>
+                    </a:highlight>
+                    <a:latin typeface="system-ui"/>
+                  </a:rPr>
+                  <a:t>, nisi </a:t>
+                </a:r>
+                <a:r>
+                  <a:rPr lang="en-IN" sz="1100" b="0" i="0" dirty="0" err="1">
+                    <a:solidFill>
+                      <a:srgbClr val="212529"/>
+                    </a:solidFill>
+                    <a:effectLst/>
+                    <a:highlight>
+                      <a:srgbClr val="FFFFFF"/>
+                    </a:highlight>
+                    <a:latin typeface="system-ui"/>
+                  </a:rPr>
+                  <a:t>ut</a:t>
+                </a:r>
+                <a:r>
+                  <a:rPr lang="en-IN" sz="1100" b="0" i="0" dirty="0">
+                    <a:solidFill>
+                      <a:srgbClr val="212529"/>
+                    </a:solidFill>
+                    <a:effectLst/>
+                    <a:highlight>
+                      <a:srgbClr val="FFFFFF"/>
+                    </a:highlight>
+                    <a:latin typeface="system-ui"/>
+                  </a:rPr>
+                  <a:t> </a:t>
+                </a:r>
+                <a:r>
+                  <a:rPr lang="en-IN" sz="1100" b="0" i="0" dirty="0" err="1">
+                    <a:solidFill>
+                      <a:srgbClr val="212529"/>
+                    </a:solidFill>
+                    <a:effectLst/>
+                    <a:highlight>
+                      <a:srgbClr val="FFFFFF"/>
+                    </a:highlight>
+                    <a:latin typeface="system-ui"/>
+                  </a:rPr>
+                  <a:t>aliquid</a:t>
+                </a:r>
+                <a:r>
+                  <a:rPr lang="en-IN" sz="1100" b="0" i="0" dirty="0">
+                    <a:solidFill>
+                      <a:srgbClr val="212529"/>
+                    </a:solidFill>
+                    <a:effectLst/>
+                    <a:highlight>
+                      <a:srgbClr val="FFFFFF"/>
+                    </a:highlight>
+                    <a:latin typeface="system-ui"/>
+                  </a:rPr>
+                  <a:t> ex </a:t>
+                </a:r>
+                <a:r>
+                  <a:rPr lang="en-IN" sz="1100" b="0" i="0" dirty="0" err="1">
+                    <a:solidFill>
+                      <a:srgbClr val="212529"/>
+                    </a:solidFill>
+                    <a:effectLst/>
+                    <a:highlight>
+                      <a:srgbClr val="FFFFFF"/>
+                    </a:highlight>
+                    <a:latin typeface="system-ui"/>
+                  </a:rPr>
+                  <a:t>ea</a:t>
+                </a:r>
+                <a:r>
+                  <a:rPr lang="en-IN" sz="1100" b="0" i="0" dirty="0">
+                    <a:solidFill>
+                      <a:srgbClr val="212529"/>
+                    </a:solidFill>
+                    <a:effectLst/>
+                    <a:highlight>
+                      <a:srgbClr val="FFFFFF"/>
+                    </a:highlight>
+                    <a:latin typeface="system-ui"/>
+                  </a:rPr>
+                  <a:t> </a:t>
+                </a:r>
+                <a:r>
+                  <a:rPr lang="en-IN" sz="1100" b="0" i="0" dirty="0" err="1">
+                    <a:solidFill>
+                      <a:srgbClr val="212529"/>
+                    </a:solidFill>
+                    <a:effectLst/>
+                    <a:highlight>
+                      <a:srgbClr val="FFFFFF"/>
+                    </a:highlight>
+                    <a:latin typeface="system-ui"/>
+                  </a:rPr>
+                  <a:t>connodi</a:t>
+                </a:r>
+                <a:r>
+                  <a:rPr lang="en-IN" sz="1100" b="0" i="0" dirty="0">
+                    <a:solidFill>
+                      <a:srgbClr val="212529"/>
+                    </a:solidFill>
+                    <a:effectLst/>
+                    <a:highlight>
+                      <a:srgbClr val="FFFFFF"/>
+                    </a:highlight>
+                    <a:latin typeface="system-ui"/>
+                  </a:rPr>
+                  <a:t> </a:t>
+                </a:r>
+                <a:r>
+                  <a:rPr lang="en-IN" sz="1100" b="0" i="0" dirty="0" err="1">
+                    <a:solidFill>
+                      <a:srgbClr val="212529"/>
+                    </a:solidFill>
+                    <a:effectLst/>
+                    <a:highlight>
+                      <a:srgbClr val="FFFFFF"/>
+                    </a:highlight>
+                    <a:latin typeface="system-ui"/>
+                  </a:rPr>
+                  <a:t>consequatur</a:t>
+                </a:r>
+                <a:r>
+                  <a:rPr lang="en-IN" sz="1100" b="0" i="0" dirty="0">
+                    <a:solidFill>
+                      <a:srgbClr val="212529"/>
+                    </a:solidFill>
+                    <a:effectLst/>
+                    <a:highlight>
+                      <a:srgbClr val="FFFFFF"/>
+                    </a:highlight>
+                    <a:latin typeface="system-ui"/>
+                  </a:rPr>
+                  <a:t>. </a:t>
+                </a:r>
+              </a:p>
+              <a:p>
+                <a:pPr marL="279450" indent="-171450" algn="just">
+                  <a:spcBef>
+                    <a:spcPts val="300"/>
+                  </a:spcBef>
+                  <a:buSzPct val="100000"/>
+                  <a:buFont typeface="Wingdings" panose="05000000000000000000" pitchFamily="2" charset="2"/>
+                  <a:buChar char="q"/>
+                </a:pPr>
+                <a:r>
+                  <a:rPr lang="en-IN" sz="1100" b="0" i="0" dirty="0">
+                    <a:solidFill>
+                      <a:srgbClr val="212529"/>
+                    </a:solidFill>
+                    <a:effectLst/>
+                    <a:highlight>
+                      <a:srgbClr val="FFFFFF"/>
+                    </a:highlight>
+                    <a:latin typeface="system-ui"/>
+                  </a:rPr>
+                  <a:t>Quis </a:t>
+                </a:r>
+                <a:r>
+                  <a:rPr lang="en-IN" sz="1100" b="0" i="0" dirty="0" err="1">
+                    <a:solidFill>
+                      <a:srgbClr val="212529"/>
+                    </a:solidFill>
+                    <a:effectLst/>
+                    <a:highlight>
+                      <a:srgbClr val="FFFFFF"/>
+                    </a:highlight>
+                    <a:latin typeface="system-ui"/>
+                  </a:rPr>
+                  <a:t>aute</a:t>
+                </a:r>
+                <a:r>
+                  <a:rPr lang="en-IN" sz="1100" b="0" i="0" dirty="0">
+                    <a:solidFill>
+                      <a:srgbClr val="212529"/>
+                    </a:solidFill>
+                    <a:effectLst/>
+                    <a:highlight>
+                      <a:srgbClr val="FFFFFF"/>
+                    </a:highlight>
+                    <a:latin typeface="system-ui"/>
+                  </a:rPr>
+                  <a:t> </a:t>
+                </a:r>
+                <a:r>
+                  <a:rPr lang="en-IN" sz="1100" b="0" i="0" dirty="0" err="1">
+                    <a:solidFill>
+                      <a:srgbClr val="212529"/>
+                    </a:solidFill>
+                    <a:effectLst/>
+                    <a:highlight>
+                      <a:srgbClr val="FFFFFF"/>
+                    </a:highlight>
+                    <a:latin typeface="system-ui"/>
+                  </a:rPr>
+                  <a:t>iure</a:t>
+                </a:r>
+                <a:r>
+                  <a:rPr lang="en-IN" sz="1100" b="0" i="0" dirty="0">
+                    <a:solidFill>
+                      <a:srgbClr val="212529"/>
+                    </a:solidFill>
+                    <a:effectLst/>
+                    <a:highlight>
+                      <a:srgbClr val="FFFFFF"/>
+                    </a:highlight>
+                    <a:latin typeface="system-ui"/>
+                  </a:rPr>
+                  <a:t> </a:t>
+                </a:r>
+                <a:r>
+                  <a:rPr lang="en-IN" sz="1100" b="0" i="0" dirty="0" err="1">
+                    <a:solidFill>
+                      <a:srgbClr val="212529"/>
+                    </a:solidFill>
+                    <a:effectLst/>
+                    <a:highlight>
+                      <a:srgbClr val="FFFFFF"/>
+                    </a:highlight>
+                    <a:latin typeface="system-ui"/>
+                  </a:rPr>
+                  <a:t>reprehenderit</a:t>
+                </a:r>
+                <a:r>
+                  <a:rPr lang="en-IN" sz="1100" b="0" i="0" dirty="0">
+                    <a:solidFill>
+                      <a:srgbClr val="212529"/>
+                    </a:solidFill>
+                    <a:effectLst/>
+                    <a:highlight>
+                      <a:srgbClr val="FFFFFF"/>
+                    </a:highlight>
+                    <a:latin typeface="system-ui"/>
+                  </a:rPr>
+                  <a:t> in </a:t>
+                </a:r>
+                <a:r>
+                  <a:rPr lang="en-IN" sz="1100" b="0" i="0" dirty="0" err="1">
+                    <a:solidFill>
+                      <a:srgbClr val="212529"/>
+                    </a:solidFill>
+                    <a:effectLst/>
+                    <a:highlight>
+                      <a:srgbClr val="FFFFFF"/>
+                    </a:highlight>
+                    <a:latin typeface="system-ui"/>
+                  </a:rPr>
+                  <a:t>voluptate</a:t>
+                </a:r>
+                <a:r>
+                  <a:rPr lang="en-IN" sz="1100" b="0" i="0" dirty="0">
+                    <a:solidFill>
+                      <a:srgbClr val="212529"/>
+                    </a:solidFill>
+                    <a:effectLst/>
+                    <a:highlight>
+                      <a:srgbClr val="FFFFFF"/>
+                    </a:highlight>
+                    <a:latin typeface="system-ui"/>
+                  </a:rPr>
+                  <a:t> </a:t>
+                </a:r>
+                <a:r>
+                  <a:rPr lang="en-IN" sz="1100" b="0" i="0" dirty="0" err="1">
+                    <a:solidFill>
+                      <a:srgbClr val="212529"/>
+                    </a:solidFill>
+                    <a:effectLst/>
+                    <a:highlight>
+                      <a:srgbClr val="FFFFFF"/>
+                    </a:highlight>
+                    <a:latin typeface="system-ui"/>
+                  </a:rPr>
+                  <a:t>velit</a:t>
+                </a:r>
+                <a:r>
+                  <a:rPr lang="en-IN" sz="1100" b="0" i="0" dirty="0">
+                    <a:solidFill>
+                      <a:srgbClr val="212529"/>
+                    </a:solidFill>
+                    <a:effectLst/>
+                    <a:highlight>
+                      <a:srgbClr val="FFFFFF"/>
+                    </a:highlight>
+                    <a:latin typeface="system-ui"/>
+                  </a:rPr>
+                  <a:t> </a:t>
+                </a:r>
+                <a:r>
+                  <a:rPr lang="en-IN" sz="1100" b="0" i="0" dirty="0" err="1">
+                    <a:solidFill>
+                      <a:srgbClr val="212529"/>
+                    </a:solidFill>
+                    <a:effectLst/>
+                    <a:highlight>
+                      <a:srgbClr val="FFFFFF"/>
+                    </a:highlight>
+                    <a:latin typeface="system-ui"/>
+                  </a:rPr>
+                  <a:t>esse</a:t>
+                </a:r>
+                <a:r>
+                  <a:rPr lang="en-IN" sz="1100" b="0" i="0" dirty="0">
+                    <a:solidFill>
+                      <a:srgbClr val="212529"/>
+                    </a:solidFill>
+                    <a:effectLst/>
+                    <a:highlight>
+                      <a:srgbClr val="FFFFFF"/>
+                    </a:highlight>
+                    <a:latin typeface="system-ui"/>
+                  </a:rPr>
+                  <a:t> </a:t>
+                </a:r>
+                <a:r>
+                  <a:rPr lang="en-IN" sz="1100" b="0" i="0" dirty="0" err="1">
+                    <a:solidFill>
+                      <a:srgbClr val="212529"/>
+                    </a:solidFill>
+                    <a:effectLst/>
+                    <a:highlight>
+                      <a:srgbClr val="FFFFFF"/>
+                    </a:highlight>
+                    <a:latin typeface="system-ui"/>
+                  </a:rPr>
+                  <a:t>cillun</a:t>
+                </a:r>
+                <a:r>
+                  <a:rPr lang="en-IN" sz="1100" b="0" i="0" dirty="0">
+                    <a:solidFill>
+                      <a:srgbClr val="212529"/>
+                    </a:solidFill>
+                    <a:effectLst/>
+                    <a:highlight>
+                      <a:srgbClr val="FFFFFF"/>
+                    </a:highlight>
+                    <a:latin typeface="system-ui"/>
+                  </a:rPr>
+                  <a:t> dolore </a:t>
+                </a:r>
+                <a:r>
+                  <a:rPr lang="en-IN" sz="1100" b="0" i="0" dirty="0" err="1">
+                    <a:solidFill>
+                      <a:srgbClr val="212529"/>
+                    </a:solidFill>
+                    <a:effectLst/>
+                    <a:highlight>
+                      <a:srgbClr val="FFFFFF"/>
+                    </a:highlight>
+                    <a:latin typeface="system-ui"/>
+                  </a:rPr>
+                  <a:t>eu</a:t>
+                </a:r>
+                <a:r>
+                  <a:rPr lang="en-IN" sz="1100" b="0" i="0" dirty="0">
+                    <a:solidFill>
+                      <a:srgbClr val="212529"/>
+                    </a:solidFill>
+                    <a:effectLst/>
+                    <a:highlight>
+                      <a:srgbClr val="FFFFFF"/>
+                    </a:highlight>
+                    <a:latin typeface="system-ui"/>
+                  </a:rPr>
+                  <a:t> </a:t>
+                </a:r>
+                <a:r>
+                  <a:rPr lang="en-IN" sz="1100" b="0" i="0" dirty="0" err="1">
+                    <a:solidFill>
+                      <a:srgbClr val="212529"/>
+                    </a:solidFill>
+                    <a:effectLst/>
+                    <a:highlight>
+                      <a:srgbClr val="FFFFFF"/>
+                    </a:highlight>
+                    <a:latin typeface="system-ui"/>
+                  </a:rPr>
+                  <a:t>fugiat</a:t>
+                </a:r>
+                <a:r>
+                  <a:rPr lang="en-IN" sz="1100" b="0" i="0" dirty="0">
+                    <a:solidFill>
+                      <a:srgbClr val="212529"/>
+                    </a:solidFill>
+                    <a:effectLst/>
+                    <a:highlight>
+                      <a:srgbClr val="FFFFFF"/>
+                    </a:highlight>
+                    <a:latin typeface="system-ui"/>
+                  </a:rPr>
+                  <a:t> </a:t>
+                </a:r>
+                <a:r>
+                  <a:rPr lang="en-IN" sz="1100" b="0" i="0" dirty="0" err="1">
+                    <a:solidFill>
+                      <a:srgbClr val="212529"/>
+                    </a:solidFill>
+                    <a:effectLst/>
+                    <a:highlight>
+                      <a:srgbClr val="FFFFFF"/>
+                    </a:highlight>
+                    <a:latin typeface="system-ui"/>
+                  </a:rPr>
+                  <a:t>nulla</a:t>
+                </a:r>
+                <a:r>
+                  <a:rPr lang="en-IN" sz="1100" b="0" i="0" dirty="0">
+                    <a:solidFill>
+                      <a:srgbClr val="212529"/>
+                    </a:solidFill>
+                    <a:effectLst/>
+                    <a:highlight>
+                      <a:srgbClr val="FFFFFF"/>
+                    </a:highlight>
+                    <a:latin typeface="system-ui"/>
+                  </a:rPr>
+                  <a:t> </a:t>
+                </a:r>
+                <a:r>
+                  <a:rPr lang="en-IN" sz="1100" b="0" i="0" dirty="0" err="1">
+                    <a:solidFill>
+                      <a:srgbClr val="212529"/>
+                    </a:solidFill>
+                    <a:effectLst/>
+                    <a:highlight>
+                      <a:srgbClr val="FFFFFF"/>
+                    </a:highlight>
+                    <a:latin typeface="system-ui"/>
+                  </a:rPr>
+                  <a:t>pariatur</a:t>
+                </a:r>
+                <a:r>
+                  <a:rPr lang="en-IN" sz="1100" b="0" i="0" dirty="0">
+                    <a:solidFill>
+                      <a:srgbClr val="212529"/>
+                    </a:solidFill>
+                    <a:effectLst/>
+                    <a:highlight>
+                      <a:srgbClr val="FFFFFF"/>
+                    </a:highlight>
+                    <a:latin typeface="system-ui"/>
+                  </a:rPr>
+                  <a:t>. </a:t>
+                </a:r>
+                <a:r>
+                  <a:rPr lang="en-IN" sz="1100" b="0" i="0" dirty="0" err="1">
+                    <a:solidFill>
+                      <a:srgbClr val="212529"/>
+                    </a:solidFill>
+                    <a:effectLst/>
+                    <a:highlight>
+                      <a:srgbClr val="FFFFFF"/>
+                    </a:highlight>
+                    <a:latin typeface="system-ui"/>
+                  </a:rPr>
+                  <a:t>Excepteur</a:t>
+                </a:r>
+                <a:r>
+                  <a:rPr lang="en-IN" sz="1100" b="0" i="0" dirty="0">
+                    <a:solidFill>
+                      <a:srgbClr val="212529"/>
+                    </a:solidFill>
+                    <a:effectLst/>
+                    <a:highlight>
+                      <a:srgbClr val="FFFFFF"/>
+                    </a:highlight>
+                    <a:latin typeface="system-ui"/>
+                  </a:rPr>
+                  <a:t> </a:t>
+                </a:r>
+                <a:r>
+                  <a:rPr lang="en-IN" sz="1100" b="0" i="0" dirty="0" err="1">
+                    <a:solidFill>
+                      <a:srgbClr val="212529"/>
+                    </a:solidFill>
+                    <a:effectLst/>
+                    <a:highlight>
+                      <a:srgbClr val="FFFFFF"/>
+                    </a:highlight>
+                    <a:latin typeface="system-ui"/>
+                  </a:rPr>
+                  <a:t>sint</a:t>
+                </a:r>
+                <a:r>
+                  <a:rPr lang="en-IN" sz="1100" b="0" i="0" dirty="0">
+                    <a:solidFill>
+                      <a:srgbClr val="212529"/>
+                    </a:solidFill>
+                    <a:effectLst/>
+                    <a:highlight>
+                      <a:srgbClr val="FFFFFF"/>
+                    </a:highlight>
+                    <a:latin typeface="system-ui"/>
+                  </a:rPr>
+                  <a:t> </a:t>
+                </a:r>
+                <a:r>
+                  <a:rPr lang="en-IN" sz="1100" b="0" i="0" dirty="0" err="1">
+                    <a:solidFill>
+                      <a:srgbClr val="212529"/>
+                    </a:solidFill>
+                    <a:effectLst/>
+                    <a:highlight>
+                      <a:srgbClr val="FFFFFF"/>
+                    </a:highlight>
+                    <a:latin typeface="system-ui"/>
+                  </a:rPr>
+                  <a:t>obcaecat</a:t>
+                </a:r>
+                <a:r>
+                  <a:rPr lang="en-IN" sz="1100" b="0" i="0" dirty="0">
+                    <a:solidFill>
+                      <a:srgbClr val="212529"/>
+                    </a:solidFill>
+                    <a:effectLst/>
+                    <a:highlight>
+                      <a:srgbClr val="FFFFFF"/>
+                    </a:highlight>
+                    <a:latin typeface="system-ui"/>
+                  </a:rPr>
+                  <a:t> </a:t>
+                </a:r>
+                <a:r>
+                  <a:rPr lang="en-IN" sz="1100" b="0" i="0" dirty="0" err="1">
+                    <a:solidFill>
+                      <a:srgbClr val="212529"/>
+                    </a:solidFill>
+                    <a:effectLst/>
+                    <a:highlight>
+                      <a:srgbClr val="FFFFFF"/>
+                    </a:highlight>
+                    <a:latin typeface="system-ui"/>
+                  </a:rPr>
+                  <a:t>cupiditat</a:t>
+                </a:r>
+                <a:r>
+                  <a:rPr lang="en-IN" sz="1100" b="0" i="0" dirty="0">
+                    <a:solidFill>
+                      <a:srgbClr val="212529"/>
+                    </a:solidFill>
+                    <a:effectLst/>
+                    <a:highlight>
+                      <a:srgbClr val="FFFFFF"/>
+                    </a:highlight>
+                    <a:latin typeface="system-ui"/>
+                  </a:rPr>
+                  <a:t> non </a:t>
+                </a:r>
+                <a:r>
+                  <a:rPr lang="en-IN" sz="1100" b="0" i="0" dirty="0" err="1">
+                    <a:solidFill>
+                      <a:srgbClr val="212529"/>
+                    </a:solidFill>
+                    <a:effectLst/>
+                    <a:highlight>
+                      <a:srgbClr val="FFFFFF"/>
+                    </a:highlight>
+                    <a:latin typeface="system-ui"/>
+                  </a:rPr>
+                  <a:t>proident</a:t>
+                </a:r>
+                <a:r>
+                  <a:rPr lang="en-IN" sz="1100" b="0" i="0" dirty="0">
+                    <a:solidFill>
+                      <a:srgbClr val="212529"/>
+                    </a:solidFill>
+                    <a:effectLst/>
+                    <a:highlight>
+                      <a:srgbClr val="FFFFFF"/>
+                    </a:highlight>
+                    <a:latin typeface="system-ui"/>
+                  </a:rPr>
+                  <a:t>, sunt in culpa qui </a:t>
+                </a:r>
+                <a:r>
+                  <a:rPr lang="en-IN" sz="1100" b="0" i="0" dirty="0" err="1">
+                    <a:solidFill>
+                      <a:srgbClr val="212529"/>
+                    </a:solidFill>
+                    <a:effectLst/>
+                    <a:highlight>
+                      <a:srgbClr val="FFFFFF"/>
+                    </a:highlight>
+                    <a:latin typeface="system-ui"/>
+                  </a:rPr>
+                  <a:t>officia</a:t>
+                </a:r>
+                <a:r>
+                  <a:rPr lang="en-IN" sz="1100" b="0" i="0" dirty="0">
+                    <a:solidFill>
+                      <a:srgbClr val="212529"/>
+                    </a:solidFill>
+                    <a:effectLst/>
+                    <a:highlight>
+                      <a:srgbClr val="FFFFFF"/>
+                    </a:highlight>
+                    <a:latin typeface="system-ui"/>
+                  </a:rPr>
+                  <a:t> </a:t>
+                </a:r>
+                <a:r>
+                  <a:rPr lang="en-IN" sz="1100" b="0" i="0" dirty="0" err="1">
+                    <a:solidFill>
+                      <a:srgbClr val="212529"/>
+                    </a:solidFill>
+                    <a:effectLst/>
+                    <a:highlight>
+                      <a:srgbClr val="FFFFFF"/>
+                    </a:highlight>
+                    <a:latin typeface="system-ui"/>
+                  </a:rPr>
+                  <a:t>deserunt</a:t>
+                </a:r>
+                <a:r>
+                  <a:rPr lang="en-IN" sz="1100" b="0" i="0" dirty="0">
+                    <a:solidFill>
+                      <a:srgbClr val="212529"/>
+                    </a:solidFill>
+                    <a:effectLst/>
+                    <a:highlight>
+                      <a:srgbClr val="FFFFFF"/>
+                    </a:highlight>
+                    <a:latin typeface="system-ui"/>
+                  </a:rPr>
+                  <a:t> </a:t>
+                </a:r>
+                <a:r>
+                  <a:rPr lang="en-IN" sz="1100" b="0" i="0" dirty="0" err="1">
+                    <a:solidFill>
+                      <a:srgbClr val="212529"/>
+                    </a:solidFill>
+                    <a:effectLst/>
+                    <a:highlight>
+                      <a:srgbClr val="FFFFFF"/>
+                    </a:highlight>
+                    <a:latin typeface="system-ui"/>
+                  </a:rPr>
+                  <a:t>nollit</a:t>
+                </a:r>
+                <a:r>
+                  <a:rPr lang="en-IN" sz="1100" b="0" i="0" dirty="0">
+                    <a:solidFill>
+                      <a:srgbClr val="212529"/>
+                    </a:solidFill>
+                    <a:effectLst/>
+                    <a:highlight>
+                      <a:srgbClr val="FFFFFF"/>
+                    </a:highlight>
+                    <a:latin typeface="system-ui"/>
+                  </a:rPr>
+                  <a:t> </a:t>
+                </a:r>
+                <a:r>
+                  <a:rPr lang="en-IN" sz="1100" b="0" i="0" dirty="0" err="1">
+                    <a:solidFill>
+                      <a:srgbClr val="212529"/>
+                    </a:solidFill>
+                    <a:effectLst/>
+                    <a:highlight>
+                      <a:srgbClr val="FFFFFF"/>
+                    </a:highlight>
+                    <a:latin typeface="system-ui"/>
+                  </a:rPr>
+                  <a:t>anin</a:t>
+                </a:r>
+                <a:r>
+                  <a:rPr lang="en-IN" sz="1100" b="0" i="0" dirty="0">
+                    <a:solidFill>
+                      <a:srgbClr val="212529"/>
+                    </a:solidFill>
+                    <a:effectLst/>
+                    <a:highlight>
+                      <a:srgbClr val="FFFFFF"/>
+                    </a:highlight>
+                    <a:latin typeface="system-ui"/>
+                  </a:rPr>
+                  <a:t> id </a:t>
+                </a:r>
+                <a:r>
+                  <a:rPr lang="en-IN" sz="1100" b="0" i="0" dirty="0" err="1">
+                    <a:solidFill>
+                      <a:srgbClr val="212529"/>
+                    </a:solidFill>
+                    <a:effectLst/>
+                    <a:highlight>
+                      <a:srgbClr val="FFFFFF"/>
+                    </a:highlight>
+                    <a:latin typeface="system-ui"/>
+                  </a:rPr>
+                  <a:t>est</a:t>
+                </a:r>
+                <a:r>
+                  <a:rPr lang="en-IN" sz="1100" b="0" i="0" dirty="0">
+                    <a:solidFill>
+                      <a:srgbClr val="212529"/>
+                    </a:solidFill>
+                    <a:effectLst/>
+                    <a:highlight>
+                      <a:srgbClr val="FFFFFF"/>
+                    </a:highlight>
+                    <a:latin typeface="system-ui"/>
+                  </a:rPr>
+                  <a:t> </a:t>
+                </a:r>
+                <a:r>
+                  <a:rPr lang="en-IN" sz="1100" b="0" i="0" dirty="0" err="1">
+                    <a:solidFill>
+                      <a:srgbClr val="212529"/>
+                    </a:solidFill>
+                    <a:effectLst/>
+                    <a:highlight>
+                      <a:srgbClr val="FFFFFF"/>
+                    </a:highlight>
+                    <a:latin typeface="system-ui"/>
+                  </a:rPr>
+                  <a:t>laborun</a:t>
+                </a:r>
+                <a:r>
+                  <a:rPr lang="en-IN" sz="1100" b="0" i="0" dirty="0">
+                    <a:solidFill>
+                      <a:srgbClr val="212529"/>
+                    </a:solidFill>
+                    <a:effectLst/>
+                    <a:highlight>
+                      <a:srgbClr val="FFFFFF"/>
+                    </a:highlight>
+                    <a:latin typeface="system-ui"/>
+                  </a:rPr>
+                  <a:t>.</a:t>
                 </a:r>
                 <a:endParaRPr lang="en-US" sz="1100" dirty="0">
                   <a:effectLst/>
@@ -6354,8 +7873,8 @@
             </p:blipFill>
             <p:spPr bwMode="black">
               <a:xfrm>
-                <a:off x="298674" y="4270762"/>
-                <a:ext cx="315601" cy="327845"/>
+                <a:off x="298674" y="3400901"/>
+                <a:ext cx="315601" cy="327844"/>
               </a:xfrm>
               <a:prstGeom prst="rect">
                 <a:avLst/>
@@ -6377,10 +7896,10 @@
           </p:nvGrpSpPr>
           <p:grpSpPr>
             <a:xfrm>
-              <a:off x="2173602" y="1801744"/>
-              <a:ext cx="4618021" cy="1310615"/>
-              <a:chOff x="112107" y="6966331"/>
-              <a:chExt cx="4468870" cy="1310615"/>
+              <a:off x="2173602" y="1861013"/>
+              <a:ext cx="4429041" cy="2610971"/>
+              <a:chOff x="112107" y="7025600"/>
+              <a:chExt cx="4285994" cy="2610971"/>
             </a:xfrm>
           </p:grpSpPr>
           <p:sp>
@@ -6397,8 +7916,8 @@
             </p:nvSpPr>
             <p:spPr>
               <a:xfrm>
-                <a:off x="112107" y="6966331"/>
-                <a:ext cx="4468870" cy="1310615"/>
+                <a:off x="112107" y="7025600"/>
+                <a:ext cx="4285994" cy="2610971"/>
               </a:xfrm>
               <a:prstGeom prst="rect">
                 <a:avLst/>
@@ -6447,7 +7966,7 @@
                     <a:ea typeface="Calibri" panose="020F0502020204030204" pitchFamily="34" charset="0"/>
                     <a:cs typeface="Calibri" panose="020F0502020204030204" pitchFamily="34" charset="0"/>
                   </a:rPr>
-                  <a:t>Manager/Cloud Solution Architect</a:t>
+                  <a:t>Cloud Solutions Architect</a:t>
                 </a:r>
                 <a:endParaRPr lang="en-US" sz="1200" dirty="0">
                   <a:effectLst/>
@@ -6519,6 +8038,712 @@
                     <a:cs typeface="Calibri Light" panose="020F0302020204030204" pitchFamily="34" charset="0"/>
                   </a:rPr>
                   <a:t>&gt;.</a:t>
+                </a:r>
+              </a:p>
+              <a:p>
+                <a:pPr marL="279450" indent="-171450" algn="just">
+                  <a:spcBef>
+                    <a:spcPts val="300"/>
+                  </a:spcBef>
+                  <a:buFont typeface="Wingdings" panose="05000000000000000000" pitchFamily="2" charset="2"/>
+                  <a:buChar char="q"/>
+                </a:pPr>
+                <a:r>
+                  <a:rPr lang="en-US" sz="1100" dirty="0">
+                    <a:latin typeface="Calibri Light" panose="020F0302020204030204" pitchFamily="34" charset="0"/>
+                    <a:cs typeface="Calibri Light" panose="020F0302020204030204" pitchFamily="34" charset="0"/>
+                  </a:rPr>
+                  <a:t>Loren </a:t>
+                </a:r>
+                <a:r>
+                  <a:rPr lang="en-US" sz="1100" dirty="0" err="1">
+                    <a:latin typeface="Calibri Light" panose="020F0302020204030204" pitchFamily="34" charset="0"/>
+                    <a:cs typeface="Calibri Light" panose="020F0302020204030204" pitchFamily="34" charset="0"/>
+                  </a:rPr>
+                  <a:t>ipsun</a:t>
+                </a:r>
+                <a:r>
+                  <a:rPr lang="en-US" sz="1100" dirty="0">
+                    <a:latin typeface="Calibri Light" panose="020F0302020204030204" pitchFamily="34" charset="0"/>
+                    <a:cs typeface="Calibri Light" panose="020F0302020204030204" pitchFamily="34" charset="0"/>
+                  </a:rPr>
+                  <a:t> dolor sit </a:t>
+                </a:r>
+                <a:r>
+                  <a:rPr lang="en-US" sz="1100" dirty="0" err="1">
+                    <a:latin typeface="Calibri Light" panose="020F0302020204030204" pitchFamily="34" charset="0"/>
+                    <a:cs typeface="Calibri Light" panose="020F0302020204030204" pitchFamily="34" charset="0"/>
+                  </a:rPr>
+                  <a:t>anet</a:t>
+                </a:r>
+                <a:r>
+                  <a:rPr lang="en-US" sz="1100" dirty="0">
+                    <a:latin typeface="Calibri Light" panose="020F0302020204030204" pitchFamily="34" charset="0"/>
+                    <a:cs typeface="Calibri Light" panose="020F0302020204030204" pitchFamily="34" charset="0"/>
+                  </a:rPr>
+                  <a:t>, </a:t>
+                </a:r>
+                <a:r>
+                  <a:rPr lang="en-US" sz="1100" dirty="0" err="1">
+                    <a:latin typeface="Calibri Light" panose="020F0302020204030204" pitchFamily="34" charset="0"/>
+                    <a:cs typeface="Calibri Light" panose="020F0302020204030204" pitchFamily="34" charset="0"/>
+                  </a:rPr>
+                  <a:t>consectetur</a:t>
+                </a:r>
+                <a:r>
+                  <a:rPr lang="en-US" sz="1100" dirty="0">
+                    <a:latin typeface="Calibri Light" panose="020F0302020204030204" pitchFamily="34" charset="0"/>
+                    <a:cs typeface="Calibri Light" panose="020F0302020204030204" pitchFamily="34" charset="0"/>
+                  </a:rPr>
+                  <a:t> </a:t>
+                </a:r>
+                <a:r>
+                  <a:rPr lang="en-US" sz="1100" dirty="0" err="1">
+                    <a:latin typeface="Calibri Light" panose="020F0302020204030204" pitchFamily="34" charset="0"/>
+                    <a:cs typeface="Calibri Light" panose="020F0302020204030204" pitchFamily="34" charset="0"/>
+                  </a:rPr>
+                  <a:t>adipisci</a:t>
+                </a:r>
+                <a:r>
+                  <a:rPr lang="en-US" sz="1100" dirty="0">
+                    <a:latin typeface="Calibri Light" panose="020F0302020204030204" pitchFamily="34" charset="0"/>
+                    <a:cs typeface="Calibri Light" panose="020F0302020204030204" pitchFamily="34" charset="0"/>
+                  </a:rPr>
+                  <a:t> </a:t>
+                </a:r>
+                <a:r>
+                  <a:rPr lang="en-US" sz="1100" dirty="0" err="1">
+                    <a:latin typeface="Calibri Light" panose="020F0302020204030204" pitchFamily="34" charset="0"/>
+                    <a:cs typeface="Calibri Light" panose="020F0302020204030204" pitchFamily="34" charset="0"/>
+                  </a:rPr>
+                  <a:t>elit</a:t>
+                </a:r>
+                <a:r>
+                  <a:rPr lang="en-US" sz="1100" dirty="0">
+                    <a:latin typeface="Calibri Light" panose="020F0302020204030204" pitchFamily="34" charset="0"/>
+                    <a:cs typeface="Calibri Light" panose="020F0302020204030204" pitchFamily="34" charset="0"/>
+                  </a:rPr>
+                  <a:t>, sed </a:t>
+                </a:r>
+                <a:r>
+                  <a:rPr lang="en-US" sz="1100" dirty="0" err="1">
+                    <a:latin typeface="Calibri Light" panose="020F0302020204030204" pitchFamily="34" charset="0"/>
+                    <a:cs typeface="Calibri Light" panose="020F0302020204030204" pitchFamily="34" charset="0"/>
+                  </a:rPr>
+                  <a:t>eiusnod</a:t>
+                </a:r>
+                <a:r>
+                  <a:rPr lang="en-US" sz="1100" dirty="0">
+                    <a:latin typeface="Calibri Light" panose="020F0302020204030204" pitchFamily="34" charset="0"/>
+                    <a:cs typeface="Calibri Light" panose="020F0302020204030204" pitchFamily="34" charset="0"/>
+                  </a:rPr>
+                  <a:t> </a:t>
+                </a:r>
+                <a:r>
+                  <a:rPr lang="en-US" sz="1100" dirty="0" err="1">
+                    <a:latin typeface="Calibri Light" panose="020F0302020204030204" pitchFamily="34" charset="0"/>
+                    <a:cs typeface="Calibri Light" panose="020F0302020204030204" pitchFamily="34" charset="0"/>
+                  </a:rPr>
+                  <a:t>tenpor</a:t>
+                </a:r>
+                <a:r>
+                  <a:rPr lang="en-US" sz="1100" dirty="0">
+                    <a:latin typeface="Calibri Light" panose="020F0302020204030204" pitchFamily="34" charset="0"/>
+                    <a:cs typeface="Calibri Light" panose="020F0302020204030204" pitchFamily="34" charset="0"/>
+                  </a:rPr>
+                  <a:t> </a:t>
+                </a:r>
+                <a:r>
+                  <a:rPr lang="en-US" sz="1100" dirty="0" err="1">
+                    <a:latin typeface="Calibri Light" panose="020F0302020204030204" pitchFamily="34" charset="0"/>
+                    <a:cs typeface="Calibri Light" panose="020F0302020204030204" pitchFamily="34" charset="0"/>
+                  </a:rPr>
+                  <a:t>incidunt</a:t>
+                </a:r>
+                <a:r>
+                  <a:rPr lang="en-US" sz="1100" dirty="0">
+                    <a:latin typeface="Calibri Light" panose="020F0302020204030204" pitchFamily="34" charset="0"/>
+                    <a:cs typeface="Calibri Light" panose="020F0302020204030204" pitchFamily="34" charset="0"/>
+                  </a:rPr>
+                  <a:t> </a:t>
+                </a:r>
+                <a:r>
+                  <a:rPr lang="en-US" sz="1100" dirty="0" err="1">
+                    <a:latin typeface="Calibri Light" panose="020F0302020204030204" pitchFamily="34" charset="0"/>
+                    <a:cs typeface="Calibri Light" panose="020F0302020204030204" pitchFamily="34" charset="0"/>
+                  </a:rPr>
+                  <a:t>ut</a:t>
+                </a:r>
+                <a:r>
+                  <a:rPr lang="en-US" sz="1100" dirty="0">
+                    <a:latin typeface="Calibri Light" panose="020F0302020204030204" pitchFamily="34" charset="0"/>
+                    <a:cs typeface="Calibri Light" panose="020F0302020204030204" pitchFamily="34" charset="0"/>
+                  </a:rPr>
+                  <a:t> labore et dolore </a:t>
+                </a:r>
+                <a:r>
+                  <a:rPr lang="en-US" sz="1100" dirty="0" err="1">
+                    <a:latin typeface="Calibri Light" panose="020F0302020204030204" pitchFamily="34" charset="0"/>
+                    <a:cs typeface="Calibri Light" panose="020F0302020204030204" pitchFamily="34" charset="0"/>
+                  </a:rPr>
+                  <a:t>nagna</a:t>
+                </a:r>
+                <a:r>
+                  <a:rPr lang="en-US" sz="1100" dirty="0">
+                    <a:latin typeface="Calibri Light" panose="020F0302020204030204" pitchFamily="34" charset="0"/>
+                    <a:cs typeface="Calibri Light" panose="020F0302020204030204" pitchFamily="34" charset="0"/>
+                  </a:rPr>
+                  <a:t> </a:t>
+                </a:r>
+                <a:r>
+                  <a:rPr lang="en-US" sz="1100" dirty="0" err="1">
+                    <a:latin typeface="Calibri Light" panose="020F0302020204030204" pitchFamily="34" charset="0"/>
+                    <a:cs typeface="Calibri Light" panose="020F0302020204030204" pitchFamily="34" charset="0"/>
+                  </a:rPr>
+                  <a:t>aliqua</a:t>
+                </a:r>
+                <a:r>
+                  <a:rPr lang="en-US" sz="1100" dirty="0">
+                    <a:latin typeface="Calibri Light" panose="020F0302020204030204" pitchFamily="34" charset="0"/>
+                    <a:cs typeface="Calibri Light" panose="020F0302020204030204" pitchFamily="34" charset="0"/>
+                  </a:rPr>
+                  <a:t>. </a:t>
+                </a:r>
+              </a:p>
+              <a:p>
+                <a:pPr marL="279450" indent="-171450" algn="just">
+                  <a:spcBef>
+                    <a:spcPts val="300"/>
+                  </a:spcBef>
+                  <a:buFont typeface="Wingdings" panose="05000000000000000000" pitchFamily="2" charset="2"/>
+                  <a:buChar char="q"/>
+                </a:pPr>
+                <a:r>
+                  <a:rPr lang="en-US" sz="1100" dirty="0">
+                    <a:latin typeface="Calibri Light" panose="020F0302020204030204" pitchFamily="34" charset="0"/>
+                    <a:cs typeface="Calibri Light" panose="020F0302020204030204" pitchFamily="34" charset="0"/>
+                  </a:rPr>
+                  <a:t>Ut </a:t>
+                </a:r>
+                <a:r>
+                  <a:rPr lang="en-US" sz="1100" dirty="0" err="1">
+                    <a:latin typeface="Calibri Light" panose="020F0302020204030204" pitchFamily="34" charset="0"/>
+                    <a:cs typeface="Calibri Light" panose="020F0302020204030204" pitchFamily="34" charset="0"/>
+                  </a:rPr>
+                  <a:t>enin</a:t>
+                </a:r>
+                <a:r>
+                  <a:rPr lang="en-US" sz="1100" dirty="0">
+                    <a:latin typeface="Calibri Light" panose="020F0302020204030204" pitchFamily="34" charset="0"/>
+                    <a:cs typeface="Calibri Light" panose="020F0302020204030204" pitchFamily="34" charset="0"/>
+                  </a:rPr>
+                  <a:t> ad </a:t>
+                </a:r>
+                <a:r>
+                  <a:rPr lang="en-US" sz="1100" dirty="0" err="1">
+                    <a:latin typeface="Calibri Light" panose="020F0302020204030204" pitchFamily="34" charset="0"/>
+                    <a:cs typeface="Calibri Light" panose="020F0302020204030204" pitchFamily="34" charset="0"/>
+                  </a:rPr>
+                  <a:t>ninin</a:t>
+                </a:r>
+                <a:r>
+                  <a:rPr lang="en-US" sz="1100" dirty="0">
+                    <a:latin typeface="Calibri Light" panose="020F0302020204030204" pitchFamily="34" charset="0"/>
+                    <a:cs typeface="Calibri Light" panose="020F0302020204030204" pitchFamily="34" charset="0"/>
+                  </a:rPr>
+                  <a:t> </a:t>
+                </a:r>
+                <a:r>
+                  <a:rPr lang="en-US" sz="1100" dirty="0" err="1">
+                    <a:latin typeface="Calibri Light" panose="020F0302020204030204" pitchFamily="34" charset="0"/>
+                    <a:cs typeface="Calibri Light" panose="020F0302020204030204" pitchFamily="34" charset="0"/>
+                  </a:rPr>
+                  <a:t>venian</a:t>
+                </a:r>
+                <a:r>
+                  <a:rPr lang="en-US" sz="1100" dirty="0">
+                    <a:latin typeface="Calibri Light" panose="020F0302020204030204" pitchFamily="34" charset="0"/>
+                    <a:cs typeface="Calibri Light" panose="020F0302020204030204" pitchFamily="34" charset="0"/>
+                  </a:rPr>
+                  <a:t>, </a:t>
+                </a:r>
+                <a:r>
+                  <a:rPr lang="en-US" sz="1100" dirty="0" err="1">
+                    <a:latin typeface="Calibri Light" panose="020F0302020204030204" pitchFamily="34" charset="0"/>
+                    <a:cs typeface="Calibri Light" panose="020F0302020204030204" pitchFamily="34" charset="0"/>
+                  </a:rPr>
+                  <a:t>quis</a:t>
+                </a:r>
+                <a:r>
+                  <a:rPr lang="en-US" sz="1100" dirty="0">
+                    <a:latin typeface="Calibri Light" panose="020F0302020204030204" pitchFamily="34" charset="0"/>
+                    <a:cs typeface="Calibri Light" panose="020F0302020204030204" pitchFamily="34" charset="0"/>
+                  </a:rPr>
+                  <a:t> </a:t>
+                </a:r>
+                <a:r>
+                  <a:rPr lang="en-US" sz="1100" dirty="0" err="1">
+                    <a:latin typeface="Calibri Light" panose="020F0302020204030204" pitchFamily="34" charset="0"/>
+                    <a:cs typeface="Calibri Light" panose="020F0302020204030204" pitchFamily="34" charset="0"/>
+                  </a:rPr>
+                  <a:t>nostrun</a:t>
+                </a:r>
+                <a:r>
+                  <a:rPr lang="en-US" sz="1100" dirty="0">
+                    <a:latin typeface="Calibri Light" panose="020F0302020204030204" pitchFamily="34" charset="0"/>
+                    <a:cs typeface="Calibri Light" panose="020F0302020204030204" pitchFamily="34" charset="0"/>
+                  </a:rPr>
+                  <a:t> </a:t>
+                </a:r>
+                <a:r>
+                  <a:rPr lang="en-US" sz="1100" dirty="0" err="1">
+                    <a:latin typeface="Calibri Light" panose="020F0302020204030204" pitchFamily="34" charset="0"/>
+                    <a:cs typeface="Calibri Light" panose="020F0302020204030204" pitchFamily="34" charset="0"/>
+                  </a:rPr>
+                  <a:t>exercitationen</a:t>
+                </a:r>
+                <a:r>
+                  <a:rPr lang="en-US" sz="1100" dirty="0">
+                    <a:latin typeface="Calibri Light" panose="020F0302020204030204" pitchFamily="34" charset="0"/>
+                    <a:cs typeface="Calibri Light" panose="020F0302020204030204" pitchFamily="34" charset="0"/>
+                  </a:rPr>
+                  <a:t> </a:t>
+                </a:r>
+                <a:r>
+                  <a:rPr lang="en-US" sz="1100" dirty="0" err="1">
+                    <a:latin typeface="Calibri Light" panose="020F0302020204030204" pitchFamily="34" charset="0"/>
+                    <a:cs typeface="Calibri Light" panose="020F0302020204030204" pitchFamily="34" charset="0"/>
+                  </a:rPr>
+                  <a:t>ullan</a:t>
+                </a:r>
+                <a:r>
+                  <a:rPr lang="en-US" sz="1100" dirty="0">
+                    <a:latin typeface="Calibri Light" panose="020F0302020204030204" pitchFamily="34" charset="0"/>
+                    <a:cs typeface="Calibri Light" panose="020F0302020204030204" pitchFamily="34" charset="0"/>
+                  </a:rPr>
+                  <a:t> corporis </a:t>
+                </a:r>
+                <a:r>
+                  <a:rPr lang="en-US" sz="1100" dirty="0" err="1">
+                    <a:latin typeface="Calibri Light" panose="020F0302020204030204" pitchFamily="34" charset="0"/>
+                    <a:cs typeface="Calibri Light" panose="020F0302020204030204" pitchFamily="34" charset="0"/>
+                  </a:rPr>
+                  <a:t>suscipit</a:t>
+                </a:r>
+                <a:r>
+                  <a:rPr lang="en-US" sz="1100" dirty="0">
+                    <a:latin typeface="Calibri Light" panose="020F0302020204030204" pitchFamily="34" charset="0"/>
+                    <a:cs typeface="Calibri Light" panose="020F0302020204030204" pitchFamily="34" charset="0"/>
+                  </a:rPr>
+                  <a:t> </a:t>
+                </a:r>
+                <a:r>
+                  <a:rPr lang="en-US" sz="1100" dirty="0" err="1">
+                    <a:latin typeface="Calibri Light" panose="020F0302020204030204" pitchFamily="34" charset="0"/>
+                    <a:cs typeface="Calibri Light" panose="020F0302020204030204" pitchFamily="34" charset="0"/>
+                  </a:rPr>
+                  <a:t>laboriosan</a:t>
+                </a:r>
+                <a:r>
+                  <a:rPr lang="en-US" sz="1100" dirty="0">
+                    <a:latin typeface="Calibri Light" panose="020F0302020204030204" pitchFamily="34" charset="0"/>
+                    <a:cs typeface="Calibri Light" panose="020F0302020204030204" pitchFamily="34" charset="0"/>
+                  </a:rPr>
+                  <a:t>, nisi </a:t>
+                </a:r>
+                <a:r>
+                  <a:rPr lang="en-US" sz="1100" dirty="0" err="1">
+                    <a:latin typeface="Calibri Light" panose="020F0302020204030204" pitchFamily="34" charset="0"/>
+                    <a:cs typeface="Calibri Light" panose="020F0302020204030204" pitchFamily="34" charset="0"/>
+                  </a:rPr>
+                  <a:t>ut</a:t>
+                </a:r>
+                <a:r>
+                  <a:rPr lang="en-US" sz="1100" dirty="0">
+                    <a:latin typeface="Calibri Light" panose="020F0302020204030204" pitchFamily="34" charset="0"/>
+                    <a:cs typeface="Calibri Light" panose="020F0302020204030204" pitchFamily="34" charset="0"/>
+                  </a:rPr>
+                  <a:t> </a:t>
+                </a:r>
+                <a:r>
+                  <a:rPr lang="en-US" sz="1100" dirty="0" err="1">
+                    <a:latin typeface="Calibri Light" panose="020F0302020204030204" pitchFamily="34" charset="0"/>
+                    <a:cs typeface="Calibri Light" panose="020F0302020204030204" pitchFamily="34" charset="0"/>
+                  </a:rPr>
+                  <a:t>aliquid</a:t>
+                </a:r>
+                <a:r>
+                  <a:rPr lang="en-US" sz="1100" dirty="0">
+                    <a:latin typeface="Calibri Light" panose="020F0302020204030204" pitchFamily="34" charset="0"/>
+                    <a:cs typeface="Calibri Light" panose="020F0302020204030204" pitchFamily="34" charset="0"/>
+                  </a:rPr>
+                  <a:t> ex </a:t>
+                </a:r>
+                <a:r>
+                  <a:rPr lang="en-US" sz="1100" dirty="0" err="1">
+                    <a:latin typeface="Calibri Light" panose="020F0302020204030204" pitchFamily="34" charset="0"/>
+                    <a:cs typeface="Calibri Light" panose="020F0302020204030204" pitchFamily="34" charset="0"/>
+                  </a:rPr>
+                  <a:t>ea</a:t>
+                </a:r>
+                <a:r>
+                  <a:rPr lang="en-US" sz="1100" dirty="0">
+                    <a:latin typeface="Calibri Light" panose="020F0302020204030204" pitchFamily="34" charset="0"/>
+                    <a:cs typeface="Calibri Light" panose="020F0302020204030204" pitchFamily="34" charset="0"/>
+                  </a:rPr>
+                  <a:t> </a:t>
+                </a:r>
+                <a:r>
+                  <a:rPr lang="en-US" sz="1100" dirty="0" err="1">
+                    <a:latin typeface="Calibri Light" panose="020F0302020204030204" pitchFamily="34" charset="0"/>
+                    <a:cs typeface="Calibri Light" panose="020F0302020204030204" pitchFamily="34" charset="0"/>
+                  </a:rPr>
+                  <a:t>connodi</a:t>
+                </a:r>
+                <a:r>
+                  <a:rPr lang="en-US" sz="1100" dirty="0">
+                    <a:latin typeface="Calibri Light" panose="020F0302020204030204" pitchFamily="34" charset="0"/>
+                    <a:cs typeface="Calibri Light" panose="020F0302020204030204" pitchFamily="34" charset="0"/>
+                  </a:rPr>
+                  <a:t> </a:t>
+                </a:r>
+                <a:r>
+                  <a:rPr lang="en-US" sz="1100" dirty="0" err="1">
+                    <a:latin typeface="Calibri Light" panose="020F0302020204030204" pitchFamily="34" charset="0"/>
+                    <a:cs typeface="Calibri Light" panose="020F0302020204030204" pitchFamily="34" charset="0"/>
+                  </a:rPr>
+                  <a:t>consequatur</a:t>
+                </a:r>
+                <a:r>
+                  <a:rPr lang="en-US" sz="1100" dirty="0">
+                    <a:latin typeface="Calibri Light" panose="020F0302020204030204" pitchFamily="34" charset="0"/>
+                    <a:cs typeface="Calibri Light" panose="020F0302020204030204" pitchFamily="34" charset="0"/>
+                  </a:rPr>
+                  <a:t>. </a:t>
+                </a:r>
+              </a:p>
+              <a:p>
+                <a:pPr marL="279450" indent="-171450" algn="just">
+                  <a:spcBef>
+                    <a:spcPts val="300"/>
+                  </a:spcBef>
+                  <a:buFont typeface="Wingdings" panose="05000000000000000000" pitchFamily="2" charset="2"/>
+                  <a:buChar char="q"/>
+                </a:pPr>
+                <a:r>
+                  <a:rPr lang="en-US" sz="1100" dirty="0">
+                    <a:latin typeface="Calibri Light" panose="020F0302020204030204" pitchFamily="34" charset="0"/>
+                    <a:cs typeface="Calibri Light" panose="020F0302020204030204" pitchFamily="34" charset="0"/>
+                  </a:rPr>
+                  <a:t>Quis </a:t>
+                </a:r>
+                <a:r>
+                  <a:rPr lang="en-US" sz="1100" dirty="0" err="1">
+                    <a:latin typeface="Calibri Light" panose="020F0302020204030204" pitchFamily="34" charset="0"/>
+                    <a:cs typeface="Calibri Light" panose="020F0302020204030204" pitchFamily="34" charset="0"/>
+                  </a:rPr>
+                  <a:t>aute</a:t>
+                </a:r>
+                <a:r>
+                  <a:rPr lang="en-US" sz="1100" dirty="0">
+                    <a:latin typeface="Calibri Light" panose="020F0302020204030204" pitchFamily="34" charset="0"/>
+                    <a:cs typeface="Calibri Light" panose="020F0302020204030204" pitchFamily="34" charset="0"/>
+                  </a:rPr>
+                  <a:t> </a:t>
+                </a:r>
+                <a:r>
+                  <a:rPr lang="en-US" sz="1100" dirty="0" err="1">
+                    <a:latin typeface="Calibri Light" panose="020F0302020204030204" pitchFamily="34" charset="0"/>
+                    <a:cs typeface="Calibri Light" panose="020F0302020204030204" pitchFamily="34" charset="0"/>
+                  </a:rPr>
+                  <a:t>iure</a:t>
+                </a:r>
+                <a:r>
+                  <a:rPr lang="en-US" sz="1100" dirty="0">
+                    <a:latin typeface="Calibri Light" panose="020F0302020204030204" pitchFamily="34" charset="0"/>
+                    <a:cs typeface="Calibri Light" panose="020F0302020204030204" pitchFamily="34" charset="0"/>
+                  </a:rPr>
+                  <a:t> </a:t>
+                </a:r>
+                <a:r>
+                  <a:rPr lang="en-US" sz="1100" dirty="0" err="1">
+                    <a:latin typeface="Calibri Light" panose="020F0302020204030204" pitchFamily="34" charset="0"/>
+                    <a:cs typeface="Calibri Light" panose="020F0302020204030204" pitchFamily="34" charset="0"/>
+                  </a:rPr>
+                  <a:t>reprehenderit</a:t>
+                </a:r>
+                <a:r>
+                  <a:rPr lang="en-US" sz="1100" dirty="0">
+                    <a:latin typeface="Calibri Light" panose="020F0302020204030204" pitchFamily="34" charset="0"/>
+                    <a:cs typeface="Calibri Light" panose="020F0302020204030204" pitchFamily="34" charset="0"/>
+                  </a:rPr>
+                  <a:t> in </a:t>
+                </a:r>
+                <a:r>
+                  <a:rPr lang="en-US" sz="1100" dirty="0" err="1">
+                    <a:latin typeface="Calibri Light" panose="020F0302020204030204" pitchFamily="34" charset="0"/>
+                    <a:cs typeface="Calibri Light" panose="020F0302020204030204" pitchFamily="34" charset="0"/>
+                  </a:rPr>
+                  <a:t>voluptate</a:t>
+                </a:r>
+                <a:r>
+                  <a:rPr lang="en-US" sz="1100" dirty="0">
+                    <a:latin typeface="Calibri Light" panose="020F0302020204030204" pitchFamily="34" charset="0"/>
+                    <a:cs typeface="Calibri Light" panose="020F0302020204030204" pitchFamily="34" charset="0"/>
+                  </a:rPr>
+                  <a:t> </a:t>
+                </a:r>
+                <a:r>
+                  <a:rPr lang="en-US" sz="1100" dirty="0" err="1">
+                    <a:latin typeface="Calibri Light" panose="020F0302020204030204" pitchFamily="34" charset="0"/>
+                    <a:cs typeface="Calibri Light" panose="020F0302020204030204" pitchFamily="34" charset="0"/>
+                  </a:rPr>
+                  <a:t>velit</a:t>
+                </a:r>
+                <a:r>
+                  <a:rPr lang="en-US" sz="1100" dirty="0">
+                    <a:latin typeface="Calibri Light" panose="020F0302020204030204" pitchFamily="34" charset="0"/>
+                    <a:cs typeface="Calibri Light" panose="020F0302020204030204" pitchFamily="34" charset="0"/>
+                  </a:rPr>
+                  <a:t> </a:t>
+                </a:r>
+                <a:r>
+                  <a:rPr lang="en-US" sz="1100" dirty="0" err="1">
+                    <a:latin typeface="Calibri Light" panose="020F0302020204030204" pitchFamily="34" charset="0"/>
+                    <a:cs typeface="Calibri Light" panose="020F0302020204030204" pitchFamily="34" charset="0"/>
+                  </a:rPr>
+                  <a:t>esse</a:t>
+                </a:r>
+                <a:r>
+                  <a:rPr lang="en-US" sz="1100" dirty="0">
+                    <a:latin typeface="Calibri Light" panose="020F0302020204030204" pitchFamily="34" charset="0"/>
+                    <a:cs typeface="Calibri Light" panose="020F0302020204030204" pitchFamily="34" charset="0"/>
+                  </a:rPr>
+                  <a:t> </a:t>
+                </a:r>
+                <a:r>
+                  <a:rPr lang="en-US" sz="1100" dirty="0" err="1">
+                    <a:latin typeface="Calibri Light" panose="020F0302020204030204" pitchFamily="34" charset="0"/>
+                    <a:cs typeface="Calibri Light" panose="020F0302020204030204" pitchFamily="34" charset="0"/>
+                  </a:rPr>
+                  <a:t>cillun</a:t>
+                </a:r>
+                <a:r>
+                  <a:rPr lang="en-US" sz="1100" dirty="0">
+                    <a:latin typeface="Calibri Light" panose="020F0302020204030204" pitchFamily="34" charset="0"/>
+                    <a:cs typeface="Calibri Light" panose="020F0302020204030204" pitchFamily="34" charset="0"/>
+                  </a:rPr>
+                  <a:t> dolore </a:t>
+                </a:r>
+                <a:r>
+                  <a:rPr lang="en-US" sz="1100" dirty="0" err="1">
+                    <a:latin typeface="Calibri Light" panose="020F0302020204030204" pitchFamily="34" charset="0"/>
+                    <a:cs typeface="Calibri Light" panose="020F0302020204030204" pitchFamily="34" charset="0"/>
+                  </a:rPr>
+                  <a:t>eu</a:t>
+                </a:r>
+                <a:r>
+                  <a:rPr lang="en-US" sz="1100" dirty="0">
+                    <a:latin typeface="Calibri Light" panose="020F0302020204030204" pitchFamily="34" charset="0"/>
+                    <a:cs typeface="Calibri Light" panose="020F0302020204030204" pitchFamily="34" charset="0"/>
+                  </a:rPr>
+                  <a:t> </a:t>
+                </a:r>
+                <a:r>
+                  <a:rPr lang="en-US" sz="1100" dirty="0" err="1">
+                    <a:latin typeface="Calibri Light" panose="020F0302020204030204" pitchFamily="34" charset="0"/>
+                    <a:cs typeface="Calibri Light" panose="020F0302020204030204" pitchFamily="34" charset="0"/>
+                  </a:rPr>
+                  <a:t>fugiat</a:t>
+                </a:r>
+                <a:r>
+                  <a:rPr lang="en-US" sz="1100" dirty="0">
+                    <a:latin typeface="Calibri Light" panose="020F0302020204030204" pitchFamily="34" charset="0"/>
+                    <a:cs typeface="Calibri Light" panose="020F0302020204030204" pitchFamily="34" charset="0"/>
+                  </a:rPr>
+                  <a:t> </a:t>
+                </a:r>
+                <a:r>
+                  <a:rPr lang="en-US" sz="1100" dirty="0" err="1">
+                    <a:latin typeface="Calibri Light" panose="020F0302020204030204" pitchFamily="34" charset="0"/>
+                    <a:cs typeface="Calibri Light" panose="020F0302020204030204" pitchFamily="34" charset="0"/>
+                  </a:rPr>
+                  <a:t>nulla</a:t>
+                </a:r>
+                <a:r>
+                  <a:rPr lang="en-US" sz="1100" dirty="0">
+                    <a:latin typeface="Calibri Light" panose="020F0302020204030204" pitchFamily="34" charset="0"/>
+                    <a:cs typeface="Calibri Light" panose="020F0302020204030204" pitchFamily="34" charset="0"/>
+                  </a:rPr>
+                  <a:t> </a:t>
+                </a:r>
+                <a:r>
+                  <a:rPr lang="en-US" sz="1100" dirty="0" err="1">
+                    <a:latin typeface="Calibri Light" panose="020F0302020204030204" pitchFamily="34" charset="0"/>
+                    <a:cs typeface="Calibri Light" panose="020F0302020204030204" pitchFamily="34" charset="0"/>
+                  </a:rPr>
+                  <a:t>pariatur</a:t>
+                </a:r>
+                <a:r>
+                  <a:rPr lang="en-US" sz="1100" dirty="0">
+                    <a:latin typeface="Calibri Light" panose="020F0302020204030204" pitchFamily="34" charset="0"/>
+                    <a:cs typeface="Calibri Light" panose="020F0302020204030204" pitchFamily="34" charset="0"/>
+                  </a:rPr>
+                  <a:t>. </a:t>
+                </a:r>
+                <a:r>
+                  <a:rPr lang="en-US" sz="1100" dirty="0" err="1">
+                    <a:latin typeface="Calibri Light" panose="020F0302020204030204" pitchFamily="34" charset="0"/>
+                    <a:cs typeface="Calibri Light" panose="020F0302020204030204" pitchFamily="34" charset="0"/>
+                  </a:rPr>
+                  <a:t>Excepteur</a:t>
+                </a:r>
+                <a:r>
+                  <a:rPr lang="en-US" sz="1100" dirty="0">
+                    <a:latin typeface="Calibri Light" panose="020F0302020204030204" pitchFamily="34" charset="0"/>
+                    <a:cs typeface="Calibri Light" panose="020F0302020204030204" pitchFamily="34" charset="0"/>
+                  </a:rPr>
+                  <a:t> </a:t>
+                </a:r>
+                <a:r>
+                  <a:rPr lang="en-US" sz="1100" dirty="0" err="1">
+                    <a:latin typeface="Calibri Light" panose="020F0302020204030204" pitchFamily="34" charset="0"/>
+                    <a:cs typeface="Calibri Light" panose="020F0302020204030204" pitchFamily="34" charset="0"/>
+                  </a:rPr>
+                  <a:t>sint</a:t>
+                </a:r>
+                <a:r>
+                  <a:rPr lang="en-US" sz="1100" dirty="0">
+                    <a:latin typeface="Calibri Light" panose="020F0302020204030204" pitchFamily="34" charset="0"/>
+                    <a:cs typeface="Calibri Light" panose="020F0302020204030204" pitchFamily="34" charset="0"/>
+                  </a:rPr>
+                  <a:t> </a:t>
+                </a:r>
+                <a:r>
+                  <a:rPr lang="en-US" sz="1100" dirty="0" err="1">
+                    <a:latin typeface="Calibri Light" panose="020F0302020204030204" pitchFamily="34" charset="0"/>
+                    <a:cs typeface="Calibri Light" panose="020F0302020204030204" pitchFamily="34" charset="0"/>
+                  </a:rPr>
+                  <a:t>obcaecat</a:t>
+                </a:r>
+                <a:r>
+                  <a:rPr lang="en-US" sz="1100" dirty="0">
+                    <a:latin typeface="Calibri Light" panose="020F0302020204030204" pitchFamily="34" charset="0"/>
+                    <a:cs typeface="Calibri Light" panose="020F0302020204030204" pitchFamily="34" charset="0"/>
+                  </a:rPr>
+                  <a:t> </a:t>
+                </a:r>
+                <a:r>
+                  <a:rPr lang="en-US" sz="1100" dirty="0" err="1">
+                    <a:latin typeface="Calibri Light" panose="020F0302020204030204" pitchFamily="34" charset="0"/>
+                    <a:cs typeface="Calibri Light" panose="020F0302020204030204" pitchFamily="34" charset="0"/>
+                  </a:rPr>
+                  <a:t>cupiditat</a:t>
+                </a:r>
+                <a:r>
+                  <a:rPr lang="en-US" sz="1100" dirty="0">
+                    <a:latin typeface="Calibri Light" panose="020F0302020204030204" pitchFamily="34" charset="0"/>
+                    <a:cs typeface="Calibri Light" panose="020F0302020204030204" pitchFamily="34" charset="0"/>
+                  </a:rPr>
+                  <a:t> non </a:t>
+                </a:r>
+                <a:r>
+                  <a:rPr lang="en-US" sz="1100" dirty="0" err="1">
+                    <a:latin typeface="Calibri Light" panose="020F0302020204030204" pitchFamily="34" charset="0"/>
+                    <a:cs typeface="Calibri Light" panose="020F0302020204030204" pitchFamily="34" charset="0"/>
+                  </a:rPr>
+                  <a:t>proident</a:t>
+                </a:r>
+                <a:r>
+                  <a:rPr lang="en-US" sz="1100" dirty="0">
+                    <a:latin typeface="Calibri Light" panose="020F0302020204030204" pitchFamily="34" charset="0"/>
+                    <a:cs typeface="Calibri Light" panose="020F0302020204030204" pitchFamily="34" charset="0"/>
+                  </a:rPr>
+                  <a:t>, sunt in culpa qui </a:t>
+                </a:r>
+                <a:r>
+                  <a:rPr lang="en-US" sz="1100" dirty="0" err="1">
+                    <a:latin typeface="Calibri Light" panose="020F0302020204030204" pitchFamily="34" charset="0"/>
+                    <a:cs typeface="Calibri Light" panose="020F0302020204030204" pitchFamily="34" charset="0"/>
+                  </a:rPr>
+                  <a:t>officia</a:t>
+                </a:r>
+                <a:r>
+                  <a:rPr lang="en-US" sz="1100" dirty="0">
+                    <a:latin typeface="Calibri Light" panose="020F0302020204030204" pitchFamily="34" charset="0"/>
+                    <a:cs typeface="Calibri Light" panose="020F0302020204030204" pitchFamily="34" charset="0"/>
+                  </a:rPr>
+                  <a:t> </a:t>
+                </a:r>
+                <a:r>
+                  <a:rPr lang="en-US" sz="1100" dirty="0" err="1">
+                    <a:latin typeface="Calibri Light" panose="020F0302020204030204" pitchFamily="34" charset="0"/>
+                    <a:cs typeface="Calibri Light" panose="020F0302020204030204" pitchFamily="34" charset="0"/>
+                  </a:rPr>
+                  <a:t>deserunt</a:t>
+                </a:r>
+                <a:r>
+                  <a:rPr lang="en-US" sz="1100" dirty="0">
+                    <a:latin typeface="Calibri Light" panose="020F0302020204030204" pitchFamily="34" charset="0"/>
+                    <a:cs typeface="Calibri Light" panose="020F0302020204030204" pitchFamily="34" charset="0"/>
+                  </a:rPr>
+                  <a:t> </a:t>
+                </a:r>
+                <a:r>
+                  <a:rPr lang="en-US" sz="1100" dirty="0" err="1">
+                    <a:latin typeface="Calibri Light" panose="020F0302020204030204" pitchFamily="34" charset="0"/>
+                    <a:cs typeface="Calibri Light" panose="020F0302020204030204" pitchFamily="34" charset="0"/>
+                  </a:rPr>
+                  <a:t>nollit</a:t>
+                </a:r>
+                <a:r>
+                  <a:rPr lang="en-US" sz="1100" dirty="0">
+                    <a:latin typeface="Calibri Light" panose="020F0302020204030204" pitchFamily="34" charset="0"/>
+                    <a:cs typeface="Calibri Light" panose="020F0302020204030204" pitchFamily="34" charset="0"/>
+                  </a:rPr>
+                  <a:t> </a:t>
+                </a:r>
+                <a:r>
+                  <a:rPr lang="en-US" sz="1100" dirty="0" err="1">
+                    <a:latin typeface="Calibri Light" panose="020F0302020204030204" pitchFamily="34" charset="0"/>
+                    <a:cs typeface="Calibri Light" panose="020F0302020204030204" pitchFamily="34" charset="0"/>
+                  </a:rPr>
+                  <a:t>anin</a:t>
+                </a:r>
+                <a:r>
+                  <a:rPr lang="en-US" sz="1100" dirty="0">
+                    <a:latin typeface="Calibri Light" panose="020F0302020204030204" pitchFamily="34" charset="0"/>
+                    <a:cs typeface="Calibri Light" panose="020F0302020204030204" pitchFamily="34" charset="0"/>
+                  </a:rPr>
+                  <a:t> id </a:t>
+                </a:r>
+                <a:r>
+                  <a:rPr lang="en-US" sz="1100" dirty="0" err="1">
+                    <a:latin typeface="Calibri Light" panose="020F0302020204030204" pitchFamily="34" charset="0"/>
+                    <a:cs typeface="Calibri Light" panose="020F0302020204030204" pitchFamily="34" charset="0"/>
+                  </a:rPr>
+                  <a:t>est</a:t>
+                </a:r>
+                <a:r>
+                  <a:rPr lang="en-US" sz="1100" dirty="0">
+                    <a:latin typeface="Calibri Light" panose="020F0302020204030204" pitchFamily="34" charset="0"/>
+                    <a:cs typeface="Calibri Light" panose="020F0302020204030204" pitchFamily="34" charset="0"/>
+                  </a:rPr>
+                  <a:t> </a:t>
+                </a:r>
+                <a:r>
+                  <a:rPr lang="en-US" sz="1100" dirty="0" err="1">
+                    <a:latin typeface="Calibri Light" panose="020F0302020204030204" pitchFamily="34" charset="0"/>
+                    <a:cs typeface="Calibri Light" panose="020F0302020204030204" pitchFamily="34" charset="0"/>
+                  </a:rPr>
+                  <a:t>laborun</a:t>
+                </a:r>
+                <a:r>
+                  <a:rPr lang="en-US" sz="1100" dirty="0">
+                    <a:latin typeface="Calibri Light" panose="020F0302020204030204" pitchFamily="34" charset="0"/>
+                    <a:cs typeface="Calibri Light" panose="020F0302020204030204" pitchFamily="34" charset="0"/>
+                  </a:rPr>
+                  <a:t>.</a:t>
                 </a:r>
               </a:p>
               <a:p>
@@ -6574,7 +8799,7 @@
             </p:blipFill>
             <p:spPr>
               <a:xfrm>
-                <a:off x="284254" y="7026278"/>
+                <a:off x="284254" y="7094013"/>
                 <a:ext cx="379191" cy="391847"/>
               </a:xfrm>
               <a:prstGeom prst="rect">
@@ -7174,10 +9399,10 @@
         </p:nvGrpSpPr>
         <p:grpSpPr>
           <a:xfrm>
-            <a:off x="2178061" y="7549560"/>
-            <a:ext cx="4618021" cy="895117"/>
-            <a:chOff x="112107" y="6966331"/>
-            <a:chExt cx="4468870" cy="895117"/>
+            <a:off x="2178062" y="6838359"/>
+            <a:ext cx="4424582" cy="2195473"/>
+            <a:chOff x="112108" y="6966331"/>
+            <a:chExt cx="4281679" cy="2195473"/>
           </a:xfrm>
         </p:grpSpPr>
         <p:sp>
@@ -7194,8 +9419,8 @@
           </p:nvSpPr>
           <p:spPr>
             <a:xfrm>
-              <a:off x="112107" y="6966331"/>
-              <a:ext cx="4468870" cy="895117"/>
+              <a:off x="112108" y="6966331"/>
+              <a:ext cx="4281679" cy="2195473"/>
             </a:xfrm>
             <a:prstGeom prst="rect">
               <a:avLst/>
@@ -7302,6 +9527,1350 @@
                 </a:rPr>
                 <a:t>&gt;</a:t>
               </a:r>
+            </a:p>
+            <a:p>
+              <a:pPr marL="279450" indent="-171450" algn="just">
+                <a:spcBef>
+                  <a:spcPts val="300"/>
+                </a:spcBef>
+                <a:buFont typeface="Wingdings" panose="05000000000000000000" pitchFamily="2" charset="2"/>
+                <a:buChar char="q"/>
+              </a:pPr>
+              <a:r>
+                <a:rPr lang="en-IN" sz="1100" b="0" i="0" dirty="0">
+                  <a:solidFill>
+                    <a:srgbClr val="212529"/>
+                  </a:solidFill>
+                  <a:effectLst/>
+                  <a:highlight>
+                    <a:srgbClr val="FFFFFF"/>
+                  </a:highlight>
+                  <a:latin typeface="system-ui"/>
+                </a:rPr>
+                <a:t>Loren </a:t>
+              </a:r>
+              <a:r>
+                <a:rPr lang="en-IN" sz="1100" b="0" i="0" dirty="0" err="1">
+                  <a:solidFill>
+                    <a:srgbClr val="212529"/>
+                  </a:solidFill>
+                  <a:effectLst/>
+                  <a:highlight>
+                    <a:srgbClr val="FFFFFF"/>
+                  </a:highlight>
+                  <a:latin typeface="system-ui"/>
+                </a:rPr>
+                <a:t>ipsun</a:t>
+              </a:r>
+              <a:r>
+                <a:rPr lang="en-IN" sz="1100" b="0" i="0" dirty="0">
+                  <a:solidFill>
+                    <a:srgbClr val="212529"/>
+                  </a:solidFill>
+                  <a:effectLst/>
+                  <a:highlight>
+                    <a:srgbClr val="FFFFFF"/>
+                  </a:highlight>
+                  <a:latin typeface="system-ui"/>
+                </a:rPr>
+                <a:t> </a:t>
+              </a:r>
+              <a:r>
+                <a:rPr lang="en-IN" sz="1100" b="0" i="0" dirty="0" err="1">
+                  <a:solidFill>
+                    <a:srgbClr val="212529"/>
+                  </a:solidFill>
+                  <a:effectLst/>
+                  <a:highlight>
+                    <a:srgbClr val="FFFFFF"/>
+                  </a:highlight>
+                  <a:latin typeface="system-ui"/>
+                </a:rPr>
+                <a:t>dolor</a:t>
+              </a:r>
+              <a:r>
+                <a:rPr lang="en-IN" sz="1100" b="0" i="0" dirty="0">
+                  <a:solidFill>
+                    <a:srgbClr val="212529"/>
+                  </a:solidFill>
+                  <a:effectLst/>
+                  <a:highlight>
+                    <a:srgbClr val="FFFFFF"/>
+                  </a:highlight>
+                  <a:latin typeface="system-ui"/>
+                </a:rPr>
+                <a:t> sit </a:t>
+              </a:r>
+              <a:r>
+                <a:rPr lang="en-IN" sz="1100" b="0" i="0" dirty="0" err="1">
+                  <a:solidFill>
+                    <a:srgbClr val="212529"/>
+                  </a:solidFill>
+                  <a:effectLst/>
+                  <a:highlight>
+                    <a:srgbClr val="FFFFFF"/>
+                  </a:highlight>
+                  <a:latin typeface="system-ui"/>
+                </a:rPr>
+                <a:t>anet</a:t>
+              </a:r>
+              <a:r>
+                <a:rPr lang="en-IN" sz="1100" b="0" i="0" dirty="0">
+                  <a:solidFill>
+                    <a:srgbClr val="212529"/>
+                  </a:solidFill>
+                  <a:effectLst/>
+                  <a:highlight>
+                    <a:srgbClr val="FFFFFF"/>
+                  </a:highlight>
+                  <a:latin typeface="system-ui"/>
+                </a:rPr>
+                <a:t>, </a:t>
+              </a:r>
+              <a:r>
+                <a:rPr lang="en-IN" sz="1100" b="0" i="0" dirty="0" err="1">
+                  <a:solidFill>
+                    <a:srgbClr val="212529"/>
+                  </a:solidFill>
+                  <a:effectLst/>
+                  <a:highlight>
+                    <a:srgbClr val="FFFFFF"/>
+                  </a:highlight>
+                  <a:latin typeface="system-ui"/>
+                </a:rPr>
+                <a:t>consectetur</a:t>
+              </a:r>
+              <a:r>
+                <a:rPr lang="en-IN" sz="1100" b="0" i="0" dirty="0">
+                  <a:solidFill>
+                    <a:srgbClr val="212529"/>
+                  </a:solidFill>
+                  <a:effectLst/>
+                  <a:highlight>
+                    <a:srgbClr val="FFFFFF"/>
+                  </a:highlight>
+                  <a:latin typeface="system-ui"/>
+                </a:rPr>
+                <a:t> </a:t>
+              </a:r>
+              <a:r>
+                <a:rPr lang="en-IN" sz="1100" b="0" i="0" dirty="0" err="1">
+                  <a:solidFill>
+                    <a:srgbClr val="212529"/>
+                  </a:solidFill>
+                  <a:effectLst/>
+                  <a:highlight>
+                    <a:srgbClr val="FFFFFF"/>
+                  </a:highlight>
+                  <a:latin typeface="system-ui"/>
+                </a:rPr>
+                <a:t>adipisci</a:t>
+              </a:r>
+              <a:r>
+                <a:rPr lang="en-IN" sz="1100" b="0" i="0" dirty="0">
+                  <a:solidFill>
+                    <a:srgbClr val="212529"/>
+                  </a:solidFill>
+                  <a:effectLst/>
+                  <a:highlight>
+                    <a:srgbClr val="FFFFFF"/>
+                  </a:highlight>
+                  <a:latin typeface="system-ui"/>
+                </a:rPr>
+                <a:t> </a:t>
+              </a:r>
+              <a:r>
+                <a:rPr lang="en-IN" sz="1100" b="0" i="0" dirty="0" err="1">
+                  <a:solidFill>
+                    <a:srgbClr val="212529"/>
+                  </a:solidFill>
+                  <a:effectLst/>
+                  <a:highlight>
+                    <a:srgbClr val="FFFFFF"/>
+                  </a:highlight>
+                  <a:latin typeface="system-ui"/>
+                </a:rPr>
+                <a:t>elit</a:t>
+              </a:r>
+              <a:r>
+                <a:rPr lang="en-IN" sz="1100" b="0" i="0" dirty="0">
+                  <a:solidFill>
+                    <a:srgbClr val="212529"/>
+                  </a:solidFill>
+                  <a:effectLst/>
+                  <a:highlight>
+                    <a:srgbClr val="FFFFFF"/>
+                  </a:highlight>
+                  <a:latin typeface="system-ui"/>
+                </a:rPr>
+                <a:t>, </a:t>
+              </a:r>
+              <a:r>
+                <a:rPr lang="en-IN" sz="1100" b="0" i="0" dirty="0" err="1">
+                  <a:solidFill>
+                    <a:srgbClr val="212529"/>
+                  </a:solidFill>
+                  <a:effectLst/>
+                  <a:highlight>
+                    <a:srgbClr val="FFFFFF"/>
+                  </a:highlight>
+                  <a:latin typeface="system-ui"/>
+                </a:rPr>
+                <a:t>sed</a:t>
+              </a:r>
+              <a:r>
+                <a:rPr lang="en-IN" sz="1100" b="0" i="0" dirty="0">
+                  <a:solidFill>
+                    <a:srgbClr val="212529"/>
+                  </a:solidFill>
+                  <a:effectLst/>
+                  <a:highlight>
+                    <a:srgbClr val="FFFFFF"/>
+                  </a:highlight>
+                  <a:latin typeface="system-ui"/>
+                </a:rPr>
+                <a:t> </a:t>
+              </a:r>
+              <a:r>
+                <a:rPr lang="en-IN" sz="1100" b="0" i="0" dirty="0" err="1">
+                  <a:solidFill>
+                    <a:srgbClr val="212529"/>
+                  </a:solidFill>
+                  <a:effectLst/>
+                  <a:highlight>
+                    <a:srgbClr val="FFFFFF"/>
+                  </a:highlight>
+                  <a:latin typeface="system-ui"/>
+                </a:rPr>
+                <a:t>eiusnod</a:t>
+              </a:r>
+              <a:r>
+                <a:rPr lang="en-IN" sz="1100" b="0" i="0" dirty="0">
+                  <a:solidFill>
+                    <a:srgbClr val="212529"/>
+                  </a:solidFill>
+                  <a:effectLst/>
+                  <a:highlight>
+                    <a:srgbClr val="FFFFFF"/>
+                  </a:highlight>
+                  <a:latin typeface="system-ui"/>
+                </a:rPr>
+                <a:t> </a:t>
+              </a:r>
+              <a:r>
+                <a:rPr lang="en-IN" sz="1100" b="0" i="0" dirty="0" err="1">
+                  <a:solidFill>
+                    <a:srgbClr val="212529"/>
+                  </a:solidFill>
+                  <a:effectLst/>
+                  <a:highlight>
+                    <a:srgbClr val="FFFFFF"/>
+                  </a:highlight>
+                  <a:latin typeface="system-ui"/>
+                </a:rPr>
+                <a:t>tenpor</a:t>
+              </a:r>
+              <a:r>
+                <a:rPr lang="en-IN" sz="1100" b="0" i="0" dirty="0">
+                  <a:solidFill>
+                    <a:srgbClr val="212529"/>
+                  </a:solidFill>
+                  <a:effectLst/>
+                  <a:highlight>
+                    <a:srgbClr val="FFFFFF"/>
+                  </a:highlight>
+                  <a:latin typeface="system-ui"/>
+                </a:rPr>
+                <a:t> </a:t>
+              </a:r>
+              <a:r>
+                <a:rPr lang="en-IN" sz="1100" b="0" i="0" dirty="0" err="1">
+                  <a:solidFill>
+                    <a:srgbClr val="212529"/>
+                  </a:solidFill>
+                  <a:effectLst/>
+                  <a:highlight>
+                    <a:srgbClr val="FFFFFF"/>
+                  </a:highlight>
+                  <a:latin typeface="system-ui"/>
+                </a:rPr>
+                <a:t>incidunt</a:t>
+              </a:r>
+              <a:r>
+                <a:rPr lang="en-IN" sz="1100" b="0" i="0" dirty="0">
+                  <a:solidFill>
+                    <a:srgbClr val="212529"/>
+                  </a:solidFill>
+                  <a:effectLst/>
+                  <a:highlight>
+                    <a:srgbClr val="FFFFFF"/>
+                  </a:highlight>
+                  <a:latin typeface="system-ui"/>
+                </a:rPr>
+                <a:t> </a:t>
+              </a:r>
+              <a:r>
+                <a:rPr lang="en-IN" sz="1100" b="0" i="0" dirty="0" err="1">
+                  <a:solidFill>
+                    <a:srgbClr val="212529"/>
+                  </a:solidFill>
+                  <a:effectLst/>
+                  <a:highlight>
+                    <a:srgbClr val="FFFFFF"/>
+                  </a:highlight>
+                  <a:latin typeface="system-ui"/>
+                </a:rPr>
+                <a:t>ut</a:t>
+              </a:r>
+              <a:r>
+                <a:rPr lang="en-IN" sz="1100" b="0" i="0" dirty="0">
+                  <a:solidFill>
+                    <a:srgbClr val="212529"/>
+                  </a:solidFill>
+                  <a:effectLst/>
+                  <a:highlight>
+                    <a:srgbClr val="FFFFFF"/>
+                  </a:highlight>
+                  <a:latin typeface="system-ui"/>
+                </a:rPr>
+                <a:t> labore et dolore </a:t>
+              </a:r>
+              <a:r>
+                <a:rPr lang="en-IN" sz="1100" b="0" i="0" dirty="0" err="1">
+                  <a:solidFill>
+                    <a:srgbClr val="212529"/>
+                  </a:solidFill>
+                  <a:effectLst/>
+                  <a:highlight>
+                    <a:srgbClr val="FFFFFF"/>
+                  </a:highlight>
+                  <a:latin typeface="system-ui"/>
+                </a:rPr>
+                <a:t>nagna</a:t>
+              </a:r>
+              <a:r>
+                <a:rPr lang="en-IN" sz="1100" b="0" i="0" dirty="0">
+                  <a:solidFill>
+                    <a:srgbClr val="212529"/>
+                  </a:solidFill>
+                  <a:effectLst/>
+                  <a:highlight>
+                    <a:srgbClr val="FFFFFF"/>
+                  </a:highlight>
+                  <a:latin typeface="system-ui"/>
+                </a:rPr>
+                <a:t> </a:t>
+              </a:r>
+              <a:r>
+                <a:rPr lang="en-IN" sz="1100" b="0" i="0" dirty="0" err="1">
+                  <a:solidFill>
+                    <a:srgbClr val="212529"/>
+                  </a:solidFill>
+                  <a:effectLst/>
+                  <a:highlight>
+                    <a:srgbClr val="FFFFFF"/>
+                  </a:highlight>
+                  <a:latin typeface="system-ui"/>
+                </a:rPr>
+                <a:t>aliqua</a:t>
+              </a:r>
+              <a:r>
+                <a:rPr lang="en-IN" sz="1100" b="0" i="0" dirty="0">
+                  <a:solidFill>
+                    <a:srgbClr val="212529"/>
+                  </a:solidFill>
+                  <a:effectLst/>
+                  <a:highlight>
+                    <a:srgbClr val="FFFFFF"/>
+                  </a:highlight>
+                  <a:latin typeface="system-ui"/>
+                </a:rPr>
+                <a:t>. </a:t>
+              </a:r>
+            </a:p>
+            <a:p>
+              <a:pPr marL="279450" indent="-171450" algn="just">
+                <a:spcBef>
+                  <a:spcPts val="300"/>
+                </a:spcBef>
+                <a:buFont typeface="Wingdings" panose="05000000000000000000" pitchFamily="2" charset="2"/>
+                <a:buChar char="q"/>
+              </a:pPr>
+              <a:r>
+                <a:rPr lang="en-IN" sz="1100" b="0" i="0" dirty="0">
+                  <a:solidFill>
+                    <a:srgbClr val="212529"/>
+                  </a:solidFill>
+                  <a:effectLst/>
+                  <a:highlight>
+                    <a:srgbClr val="FFFFFF"/>
+                  </a:highlight>
+                  <a:latin typeface="system-ui"/>
+                </a:rPr>
+                <a:t>Ut </a:t>
+              </a:r>
+              <a:r>
+                <a:rPr lang="en-IN" sz="1100" b="0" i="0" dirty="0" err="1">
+                  <a:solidFill>
+                    <a:srgbClr val="212529"/>
+                  </a:solidFill>
+                  <a:effectLst/>
+                  <a:highlight>
+                    <a:srgbClr val="FFFFFF"/>
+                  </a:highlight>
+                  <a:latin typeface="system-ui"/>
+                </a:rPr>
+                <a:t>enin</a:t>
+              </a:r>
+              <a:r>
+                <a:rPr lang="en-IN" sz="1100" b="0" i="0" dirty="0">
+                  <a:solidFill>
+                    <a:srgbClr val="212529"/>
+                  </a:solidFill>
+                  <a:effectLst/>
+                  <a:highlight>
+                    <a:srgbClr val="FFFFFF"/>
+                  </a:highlight>
+                  <a:latin typeface="system-ui"/>
+                </a:rPr>
+                <a:t> ad </a:t>
+              </a:r>
+              <a:r>
+                <a:rPr lang="en-IN" sz="1100" b="0" i="0" dirty="0" err="1">
+                  <a:solidFill>
+                    <a:srgbClr val="212529"/>
+                  </a:solidFill>
+                  <a:effectLst/>
+                  <a:highlight>
+                    <a:srgbClr val="FFFFFF"/>
+                  </a:highlight>
+                  <a:latin typeface="system-ui"/>
+                </a:rPr>
+                <a:t>ninin</a:t>
+              </a:r>
+              <a:r>
+                <a:rPr lang="en-IN" sz="1100" b="0" i="0" dirty="0">
+                  <a:solidFill>
+                    <a:srgbClr val="212529"/>
+                  </a:solidFill>
+                  <a:effectLst/>
+                  <a:highlight>
+                    <a:srgbClr val="FFFFFF"/>
+                  </a:highlight>
+                  <a:latin typeface="system-ui"/>
+                </a:rPr>
+                <a:t> </a:t>
+              </a:r>
+              <a:r>
+                <a:rPr lang="en-IN" sz="1100" b="0" i="0" dirty="0" err="1">
+                  <a:solidFill>
+                    <a:srgbClr val="212529"/>
+                  </a:solidFill>
+                  <a:effectLst/>
+                  <a:highlight>
+                    <a:srgbClr val="FFFFFF"/>
+                  </a:highlight>
+                  <a:latin typeface="system-ui"/>
+                </a:rPr>
+                <a:t>venian</a:t>
+              </a:r>
+              <a:r>
+                <a:rPr lang="en-IN" sz="1100" b="0" i="0" dirty="0">
+                  <a:solidFill>
+                    <a:srgbClr val="212529"/>
+                  </a:solidFill>
+                  <a:effectLst/>
+                  <a:highlight>
+                    <a:srgbClr val="FFFFFF"/>
+                  </a:highlight>
+                  <a:latin typeface="system-ui"/>
+                </a:rPr>
+                <a:t>, </a:t>
+              </a:r>
+              <a:r>
+                <a:rPr lang="en-IN" sz="1100" b="0" i="0" dirty="0" err="1">
+                  <a:solidFill>
+                    <a:srgbClr val="212529"/>
+                  </a:solidFill>
+                  <a:effectLst/>
+                  <a:highlight>
+                    <a:srgbClr val="FFFFFF"/>
+                  </a:highlight>
+                  <a:latin typeface="system-ui"/>
+                </a:rPr>
+                <a:t>quis</a:t>
+              </a:r>
+              <a:r>
+                <a:rPr lang="en-IN" sz="1100" b="0" i="0" dirty="0">
+                  <a:solidFill>
+                    <a:srgbClr val="212529"/>
+                  </a:solidFill>
+                  <a:effectLst/>
+                  <a:highlight>
+                    <a:srgbClr val="FFFFFF"/>
+                  </a:highlight>
+                  <a:latin typeface="system-ui"/>
+                </a:rPr>
+                <a:t> </a:t>
+              </a:r>
+              <a:r>
+                <a:rPr lang="en-IN" sz="1100" b="0" i="0" dirty="0" err="1">
+                  <a:solidFill>
+                    <a:srgbClr val="212529"/>
+                  </a:solidFill>
+                  <a:effectLst/>
+                  <a:highlight>
+                    <a:srgbClr val="FFFFFF"/>
+                  </a:highlight>
+                  <a:latin typeface="system-ui"/>
+                </a:rPr>
+                <a:t>nostrun</a:t>
+              </a:r>
+              <a:r>
+                <a:rPr lang="en-IN" sz="1100" b="0" i="0" dirty="0">
+                  <a:solidFill>
+                    <a:srgbClr val="212529"/>
+                  </a:solidFill>
+                  <a:effectLst/>
+                  <a:highlight>
+                    <a:srgbClr val="FFFFFF"/>
+                  </a:highlight>
+                  <a:latin typeface="system-ui"/>
+                </a:rPr>
+                <a:t> </a:t>
+              </a:r>
+              <a:r>
+                <a:rPr lang="en-IN" sz="1100" b="0" i="0" dirty="0" err="1">
+                  <a:solidFill>
+                    <a:srgbClr val="212529"/>
+                  </a:solidFill>
+                  <a:effectLst/>
+                  <a:highlight>
+                    <a:srgbClr val="FFFFFF"/>
+                  </a:highlight>
+                  <a:latin typeface="system-ui"/>
+                </a:rPr>
+                <a:t>exercitationen</a:t>
+              </a:r>
+              <a:r>
+                <a:rPr lang="en-IN" sz="1100" b="0" i="0" dirty="0">
+                  <a:solidFill>
+                    <a:srgbClr val="212529"/>
+                  </a:solidFill>
+                  <a:effectLst/>
+                  <a:highlight>
+                    <a:srgbClr val="FFFFFF"/>
+                  </a:highlight>
+                  <a:latin typeface="system-ui"/>
+                </a:rPr>
+                <a:t> </a:t>
+              </a:r>
+              <a:r>
+                <a:rPr lang="en-IN" sz="1100" b="0" i="0" dirty="0" err="1">
+                  <a:solidFill>
+                    <a:srgbClr val="212529"/>
+                  </a:solidFill>
+                  <a:effectLst/>
+                  <a:highlight>
+                    <a:srgbClr val="FFFFFF"/>
+                  </a:highlight>
+                  <a:latin typeface="system-ui"/>
+                </a:rPr>
+                <a:t>ullan</a:t>
+              </a:r>
+              <a:r>
+                <a:rPr lang="en-IN" sz="1100" b="0" i="0" dirty="0">
+                  <a:solidFill>
+                    <a:srgbClr val="212529"/>
+                  </a:solidFill>
+                  <a:effectLst/>
+                  <a:highlight>
+                    <a:srgbClr val="FFFFFF"/>
+                  </a:highlight>
+                  <a:latin typeface="system-ui"/>
+                </a:rPr>
+                <a:t> corporis </a:t>
+              </a:r>
+              <a:r>
+                <a:rPr lang="en-IN" sz="1100" b="0" i="0" dirty="0" err="1">
+                  <a:solidFill>
+                    <a:srgbClr val="212529"/>
+                  </a:solidFill>
+                  <a:effectLst/>
+                  <a:highlight>
+                    <a:srgbClr val="FFFFFF"/>
+                  </a:highlight>
+                  <a:latin typeface="system-ui"/>
+                </a:rPr>
+                <a:t>suscipit</a:t>
+              </a:r>
+              <a:r>
+                <a:rPr lang="en-IN" sz="1100" b="0" i="0" dirty="0">
+                  <a:solidFill>
+                    <a:srgbClr val="212529"/>
+                  </a:solidFill>
+                  <a:effectLst/>
+                  <a:highlight>
+                    <a:srgbClr val="FFFFFF"/>
+                  </a:highlight>
+                  <a:latin typeface="system-ui"/>
+                </a:rPr>
+                <a:t> </a:t>
+              </a:r>
+              <a:r>
+                <a:rPr lang="en-IN" sz="1100" b="0" i="0" dirty="0" err="1">
+                  <a:solidFill>
+                    <a:srgbClr val="212529"/>
+                  </a:solidFill>
+                  <a:effectLst/>
+                  <a:highlight>
+                    <a:srgbClr val="FFFFFF"/>
+                  </a:highlight>
+                  <a:latin typeface="system-ui"/>
+                </a:rPr>
+                <a:t>laboriosan</a:t>
+              </a:r>
+              <a:r>
+                <a:rPr lang="en-IN" sz="1100" b="0" i="0" dirty="0">
+                  <a:solidFill>
+                    <a:srgbClr val="212529"/>
+                  </a:solidFill>
+                  <a:effectLst/>
+                  <a:highlight>
+                    <a:srgbClr val="FFFFFF"/>
+                  </a:highlight>
+                  <a:latin typeface="system-ui"/>
+                </a:rPr>
+                <a:t>, nisi </a:t>
+              </a:r>
+              <a:r>
+                <a:rPr lang="en-IN" sz="1100" b="0" i="0" dirty="0" err="1">
+                  <a:solidFill>
+                    <a:srgbClr val="212529"/>
+                  </a:solidFill>
+                  <a:effectLst/>
+                  <a:highlight>
+                    <a:srgbClr val="FFFFFF"/>
+                  </a:highlight>
+                  <a:latin typeface="system-ui"/>
+                </a:rPr>
+                <a:t>ut</a:t>
+              </a:r>
+              <a:r>
+                <a:rPr lang="en-IN" sz="1100" b="0" i="0" dirty="0">
+                  <a:solidFill>
+                    <a:srgbClr val="212529"/>
+                  </a:solidFill>
+                  <a:effectLst/>
+                  <a:highlight>
+                    <a:srgbClr val="FFFFFF"/>
+                  </a:highlight>
+                  <a:latin typeface="system-ui"/>
+                </a:rPr>
+                <a:t> </a:t>
+              </a:r>
+              <a:r>
+                <a:rPr lang="en-IN" sz="1100" b="0" i="0" dirty="0" err="1">
+                  <a:solidFill>
+                    <a:srgbClr val="212529"/>
+                  </a:solidFill>
+                  <a:effectLst/>
+                  <a:highlight>
+                    <a:srgbClr val="FFFFFF"/>
+                  </a:highlight>
+                  <a:latin typeface="system-ui"/>
+                </a:rPr>
+                <a:t>aliquid</a:t>
+              </a:r>
+              <a:r>
+                <a:rPr lang="en-IN" sz="1100" b="0" i="0" dirty="0">
+                  <a:solidFill>
+                    <a:srgbClr val="212529"/>
+                  </a:solidFill>
+                  <a:effectLst/>
+                  <a:highlight>
+                    <a:srgbClr val="FFFFFF"/>
+                  </a:highlight>
+                  <a:latin typeface="system-ui"/>
+                </a:rPr>
+                <a:t> ex </a:t>
+              </a:r>
+              <a:r>
+                <a:rPr lang="en-IN" sz="1100" b="0" i="0" dirty="0" err="1">
+                  <a:solidFill>
+                    <a:srgbClr val="212529"/>
+                  </a:solidFill>
+                  <a:effectLst/>
+                  <a:highlight>
+                    <a:srgbClr val="FFFFFF"/>
+                  </a:highlight>
+                  <a:latin typeface="system-ui"/>
+                </a:rPr>
+                <a:t>ea</a:t>
+              </a:r>
+              <a:r>
+                <a:rPr lang="en-IN" sz="1100" b="0" i="0" dirty="0">
+                  <a:solidFill>
+                    <a:srgbClr val="212529"/>
+                  </a:solidFill>
+                  <a:effectLst/>
+                  <a:highlight>
+                    <a:srgbClr val="FFFFFF"/>
+                  </a:highlight>
+                  <a:latin typeface="system-ui"/>
+                </a:rPr>
+                <a:t> </a:t>
+              </a:r>
+              <a:r>
+                <a:rPr lang="en-IN" sz="1100" b="0" i="0" dirty="0" err="1">
+                  <a:solidFill>
+                    <a:srgbClr val="212529"/>
+                  </a:solidFill>
+                  <a:effectLst/>
+                  <a:highlight>
+                    <a:srgbClr val="FFFFFF"/>
+                  </a:highlight>
+                  <a:latin typeface="system-ui"/>
+                </a:rPr>
+                <a:t>connodi</a:t>
+              </a:r>
+              <a:r>
+                <a:rPr lang="en-IN" sz="1100" b="0" i="0" dirty="0">
+                  <a:solidFill>
+                    <a:srgbClr val="212529"/>
+                  </a:solidFill>
+                  <a:effectLst/>
+                  <a:highlight>
+                    <a:srgbClr val="FFFFFF"/>
+                  </a:highlight>
+                  <a:latin typeface="system-ui"/>
+                </a:rPr>
+                <a:t> </a:t>
+              </a:r>
+              <a:r>
+                <a:rPr lang="en-IN" sz="1100" b="0" i="0" dirty="0" err="1">
+                  <a:solidFill>
+                    <a:srgbClr val="212529"/>
+                  </a:solidFill>
+                  <a:effectLst/>
+                  <a:highlight>
+                    <a:srgbClr val="FFFFFF"/>
+                  </a:highlight>
+                  <a:latin typeface="system-ui"/>
+                </a:rPr>
+                <a:t>consequatur</a:t>
+              </a:r>
+              <a:r>
+                <a:rPr lang="en-IN" sz="1100" b="0" i="0" dirty="0">
+                  <a:solidFill>
+                    <a:srgbClr val="212529"/>
+                  </a:solidFill>
+                  <a:effectLst/>
+                  <a:highlight>
+                    <a:srgbClr val="FFFFFF"/>
+                  </a:highlight>
+                  <a:latin typeface="system-ui"/>
+                </a:rPr>
+                <a:t>. </a:t>
+              </a:r>
+            </a:p>
+            <a:p>
+              <a:pPr marL="279450" indent="-171450" algn="just">
+                <a:spcBef>
+                  <a:spcPts val="300"/>
+                </a:spcBef>
+                <a:buFont typeface="Wingdings" panose="05000000000000000000" pitchFamily="2" charset="2"/>
+                <a:buChar char="q"/>
+              </a:pPr>
+              <a:r>
+                <a:rPr lang="en-IN" sz="1100" b="0" i="0" dirty="0">
+                  <a:solidFill>
+                    <a:srgbClr val="212529"/>
+                  </a:solidFill>
+                  <a:effectLst/>
+                  <a:highlight>
+                    <a:srgbClr val="FFFFFF"/>
+                  </a:highlight>
+                  <a:latin typeface="system-ui"/>
+                </a:rPr>
+                <a:t>Quis </a:t>
+              </a:r>
+              <a:r>
+                <a:rPr lang="en-IN" sz="1100" b="0" i="0" dirty="0" err="1">
+                  <a:solidFill>
+                    <a:srgbClr val="212529"/>
+                  </a:solidFill>
+                  <a:effectLst/>
+                  <a:highlight>
+                    <a:srgbClr val="FFFFFF"/>
+                  </a:highlight>
+                  <a:latin typeface="system-ui"/>
+                </a:rPr>
+                <a:t>aute</a:t>
+              </a:r>
+              <a:r>
+                <a:rPr lang="en-IN" sz="1100" b="0" i="0" dirty="0">
+                  <a:solidFill>
+                    <a:srgbClr val="212529"/>
+                  </a:solidFill>
+                  <a:effectLst/>
+                  <a:highlight>
+                    <a:srgbClr val="FFFFFF"/>
+                  </a:highlight>
+                  <a:latin typeface="system-ui"/>
+                </a:rPr>
+                <a:t> </a:t>
+              </a:r>
+              <a:r>
+                <a:rPr lang="en-IN" sz="1100" b="0" i="0" dirty="0" err="1">
+                  <a:solidFill>
+                    <a:srgbClr val="212529"/>
+                  </a:solidFill>
+                  <a:effectLst/>
+                  <a:highlight>
+                    <a:srgbClr val="FFFFFF"/>
+                  </a:highlight>
+                  <a:latin typeface="system-ui"/>
+                </a:rPr>
+                <a:t>iure</a:t>
+              </a:r>
+              <a:r>
+                <a:rPr lang="en-IN" sz="1100" b="0" i="0" dirty="0">
+                  <a:solidFill>
+                    <a:srgbClr val="212529"/>
+                  </a:solidFill>
+                  <a:effectLst/>
+                  <a:highlight>
+                    <a:srgbClr val="FFFFFF"/>
+                  </a:highlight>
+                  <a:latin typeface="system-ui"/>
+                </a:rPr>
+                <a:t> </a:t>
+              </a:r>
+              <a:r>
+                <a:rPr lang="en-IN" sz="1100" b="0" i="0" dirty="0" err="1">
+                  <a:solidFill>
+                    <a:srgbClr val="212529"/>
+                  </a:solidFill>
+                  <a:effectLst/>
+                  <a:highlight>
+                    <a:srgbClr val="FFFFFF"/>
+                  </a:highlight>
+                  <a:latin typeface="system-ui"/>
+                </a:rPr>
+                <a:t>reprehenderit</a:t>
+              </a:r>
+              <a:r>
+                <a:rPr lang="en-IN" sz="1100" b="0" i="0" dirty="0">
+                  <a:solidFill>
+                    <a:srgbClr val="212529"/>
+                  </a:solidFill>
+                  <a:effectLst/>
+                  <a:highlight>
+                    <a:srgbClr val="FFFFFF"/>
+                  </a:highlight>
+                  <a:latin typeface="system-ui"/>
+                </a:rPr>
+                <a:t> in </a:t>
+              </a:r>
+              <a:r>
+                <a:rPr lang="en-IN" sz="1100" b="0" i="0" dirty="0" err="1">
+                  <a:solidFill>
+                    <a:srgbClr val="212529"/>
+                  </a:solidFill>
+                  <a:effectLst/>
+                  <a:highlight>
+                    <a:srgbClr val="FFFFFF"/>
+                  </a:highlight>
+                  <a:latin typeface="system-ui"/>
+                </a:rPr>
+                <a:t>voluptate</a:t>
+              </a:r>
+              <a:r>
+                <a:rPr lang="en-IN" sz="1100" b="0" i="0" dirty="0">
+                  <a:solidFill>
+                    <a:srgbClr val="212529"/>
+                  </a:solidFill>
+                  <a:effectLst/>
+                  <a:highlight>
+                    <a:srgbClr val="FFFFFF"/>
+                  </a:highlight>
+                  <a:latin typeface="system-ui"/>
+                </a:rPr>
+                <a:t> </a:t>
+              </a:r>
+              <a:r>
+                <a:rPr lang="en-IN" sz="1100" b="0" i="0" dirty="0" err="1">
+                  <a:solidFill>
+                    <a:srgbClr val="212529"/>
+                  </a:solidFill>
+                  <a:effectLst/>
+                  <a:highlight>
+                    <a:srgbClr val="FFFFFF"/>
+                  </a:highlight>
+                  <a:latin typeface="system-ui"/>
+                </a:rPr>
+                <a:t>velit</a:t>
+              </a:r>
+              <a:r>
+                <a:rPr lang="en-IN" sz="1100" b="0" i="0" dirty="0">
+                  <a:solidFill>
+                    <a:srgbClr val="212529"/>
+                  </a:solidFill>
+                  <a:effectLst/>
+                  <a:highlight>
+                    <a:srgbClr val="FFFFFF"/>
+                  </a:highlight>
+                  <a:latin typeface="system-ui"/>
+                </a:rPr>
+                <a:t> </a:t>
+              </a:r>
+              <a:r>
+                <a:rPr lang="en-IN" sz="1100" b="0" i="0" dirty="0" err="1">
+                  <a:solidFill>
+                    <a:srgbClr val="212529"/>
+                  </a:solidFill>
+                  <a:effectLst/>
+                  <a:highlight>
+                    <a:srgbClr val="FFFFFF"/>
+                  </a:highlight>
+                  <a:latin typeface="system-ui"/>
+                </a:rPr>
+                <a:t>esse</a:t>
+              </a:r>
+              <a:r>
+                <a:rPr lang="en-IN" sz="1100" b="0" i="0" dirty="0">
+                  <a:solidFill>
+                    <a:srgbClr val="212529"/>
+                  </a:solidFill>
+                  <a:effectLst/>
+                  <a:highlight>
+                    <a:srgbClr val="FFFFFF"/>
+                  </a:highlight>
+                  <a:latin typeface="system-ui"/>
+                </a:rPr>
+                <a:t> </a:t>
+              </a:r>
+              <a:r>
+                <a:rPr lang="en-IN" sz="1100" b="0" i="0" dirty="0" err="1">
+                  <a:solidFill>
+                    <a:srgbClr val="212529"/>
+                  </a:solidFill>
+                  <a:effectLst/>
+                  <a:highlight>
+                    <a:srgbClr val="FFFFFF"/>
+                  </a:highlight>
+                  <a:latin typeface="system-ui"/>
+                </a:rPr>
+                <a:t>cillun</a:t>
+              </a:r>
+              <a:r>
+                <a:rPr lang="en-IN" sz="1100" b="0" i="0" dirty="0">
+                  <a:solidFill>
+                    <a:srgbClr val="212529"/>
+                  </a:solidFill>
+                  <a:effectLst/>
+                  <a:highlight>
+                    <a:srgbClr val="FFFFFF"/>
+                  </a:highlight>
+                  <a:latin typeface="system-ui"/>
+                </a:rPr>
+                <a:t> dolore </a:t>
+              </a:r>
+              <a:r>
+                <a:rPr lang="en-IN" sz="1100" b="0" i="0" dirty="0" err="1">
+                  <a:solidFill>
+                    <a:srgbClr val="212529"/>
+                  </a:solidFill>
+                  <a:effectLst/>
+                  <a:highlight>
+                    <a:srgbClr val="FFFFFF"/>
+                  </a:highlight>
+                  <a:latin typeface="system-ui"/>
+                </a:rPr>
+                <a:t>eu</a:t>
+              </a:r>
+              <a:r>
+                <a:rPr lang="en-IN" sz="1100" b="0" i="0" dirty="0">
+                  <a:solidFill>
+                    <a:srgbClr val="212529"/>
+                  </a:solidFill>
+                  <a:effectLst/>
+                  <a:highlight>
+                    <a:srgbClr val="FFFFFF"/>
+                  </a:highlight>
+                  <a:latin typeface="system-ui"/>
+                </a:rPr>
+                <a:t> </a:t>
+              </a:r>
+              <a:r>
+                <a:rPr lang="en-IN" sz="1100" b="0" i="0" dirty="0" err="1">
+                  <a:solidFill>
+                    <a:srgbClr val="212529"/>
+                  </a:solidFill>
+                  <a:effectLst/>
+                  <a:highlight>
+                    <a:srgbClr val="FFFFFF"/>
+                  </a:highlight>
+                  <a:latin typeface="system-ui"/>
+                </a:rPr>
+                <a:t>fugiat</a:t>
+              </a:r>
+              <a:r>
+                <a:rPr lang="en-IN" sz="1100" b="0" i="0" dirty="0">
+                  <a:solidFill>
+                    <a:srgbClr val="212529"/>
+                  </a:solidFill>
+                  <a:effectLst/>
+                  <a:highlight>
+                    <a:srgbClr val="FFFFFF"/>
+                  </a:highlight>
+                  <a:latin typeface="system-ui"/>
+                </a:rPr>
+                <a:t> </a:t>
+              </a:r>
+              <a:r>
+                <a:rPr lang="en-IN" sz="1100" b="0" i="0" dirty="0" err="1">
+                  <a:solidFill>
+                    <a:srgbClr val="212529"/>
+                  </a:solidFill>
+                  <a:effectLst/>
+                  <a:highlight>
+                    <a:srgbClr val="FFFFFF"/>
+                  </a:highlight>
+                  <a:latin typeface="system-ui"/>
+                </a:rPr>
+                <a:t>nulla</a:t>
+              </a:r>
+              <a:r>
+                <a:rPr lang="en-IN" sz="1100" b="0" i="0" dirty="0">
+                  <a:solidFill>
+                    <a:srgbClr val="212529"/>
+                  </a:solidFill>
+                  <a:effectLst/>
+                  <a:highlight>
+                    <a:srgbClr val="FFFFFF"/>
+                  </a:highlight>
+                  <a:latin typeface="system-ui"/>
+                </a:rPr>
+                <a:t> </a:t>
+              </a:r>
+              <a:r>
+                <a:rPr lang="en-IN" sz="1100" b="0" i="0" dirty="0" err="1">
+                  <a:solidFill>
+                    <a:srgbClr val="212529"/>
+                  </a:solidFill>
+                  <a:effectLst/>
+                  <a:highlight>
+                    <a:srgbClr val="FFFFFF"/>
+                  </a:highlight>
+                  <a:latin typeface="system-ui"/>
+                </a:rPr>
+                <a:t>pariatur</a:t>
+              </a:r>
+              <a:r>
+                <a:rPr lang="en-IN" sz="1100" b="0" i="0" dirty="0">
+                  <a:solidFill>
+                    <a:srgbClr val="212529"/>
+                  </a:solidFill>
+                  <a:effectLst/>
+                  <a:highlight>
+                    <a:srgbClr val="FFFFFF"/>
+                  </a:highlight>
+                  <a:latin typeface="system-ui"/>
+                </a:rPr>
+                <a:t>. </a:t>
+              </a:r>
+              <a:r>
+                <a:rPr lang="en-IN" sz="1100" b="0" i="0" dirty="0" err="1">
+                  <a:solidFill>
+                    <a:srgbClr val="212529"/>
+                  </a:solidFill>
+                  <a:effectLst/>
+                  <a:highlight>
+                    <a:srgbClr val="FFFFFF"/>
+                  </a:highlight>
+                  <a:latin typeface="system-ui"/>
+                </a:rPr>
+                <a:t>Excepteur</a:t>
+              </a:r>
+              <a:r>
+                <a:rPr lang="en-IN" sz="1100" b="0" i="0" dirty="0">
+                  <a:solidFill>
+                    <a:srgbClr val="212529"/>
+                  </a:solidFill>
+                  <a:effectLst/>
+                  <a:highlight>
+                    <a:srgbClr val="FFFFFF"/>
+                  </a:highlight>
+                  <a:latin typeface="system-ui"/>
+                </a:rPr>
+                <a:t> </a:t>
+              </a:r>
+              <a:r>
+                <a:rPr lang="en-IN" sz="1100" b="0" i="0" dirty="0" err="1">
+                  <a:solidFill>
+                    <a:srgbClr val="212529"/>
+                  </a:solidFill>
+                  <a:effectLst/>
+                  <a:highlight>
+                    <a:srgbClr val="FFFFFF"/>
+                  </a:highlight>
+                  <a:latin typeface="system-ui"/>
+                </a:rPr>
+                <a:t>sint</a:t>
+              </a:r>
+              <a:r>
+                <a:rPr lang="en-IN" sz="1100" b="0" i="0" dirty="0">
+                  <a:solidFill>
+                    <a:srgbClr val="212529"/>
+                  </a:solidFill>
+                  <a:effectLst/>
+                  <a:highlight>
+                    <a:srgbClr val="FFFFFF"/>
+                  </a:highlight>
+                  <a:latin typeface="system-ui"/>
+                </a:rPr>
+                <a:t> </a:t>
+              </a:r>
+              <a:r>
+                <a:rPr lang="en-IN" sz="1100" b="0" i="0" dirty="0" err="1">
+                  <a:solidFill>
+                    <a:srgbClr val="212529"/>
+                  </a:solidFill>
+                  <a:effectLst/>
+                  <a:highlight>
+                    <a:srgbClr val="FFFFFF"/>
+                  </a:highlight>
+                  <a:latin typeface="system-ui"/>
+                </a:rPr>
+                <a:t>obcaecat</a:t>
+              </a:r>
+              <a:r>
+                <a:rPr lang="en-IN" sz="1100" b="0" i="0" dirty="0">
+                  <a:solidFill>
+                    <a:srgbClr val="212529"/>
+                  </a:solidFill>
+                  <a:effectLst/>
+                  <a:highlight>
+                    <a:srgbClr val="FFFFFF"/>
+                  </a:highlight>
+                  <a:latin typeface="system-ui"/>
+                </a:rPr>
+                <a:t> </a:t>
+              </a:r>
+              <a:r>
+                <a:rPr lang="en-IN" sz="1100" b="0" i="0" dirty="0" err="1">
+                  <a:solidFill>
+                    <a:srgbClr val="212529"/>
+                  </a:solidFill>
+                  <a:effectLst/>
+                  <a:highlight>
+                    <a:srgbClr val="FFFFFF"/>
+                  </a:highlight>
+                  <a:latin typeface="system-ui"/>
+                </a:rPr>
+                <a:t>cupiditat</a:t>
+              </a:r>
+              <a:r>
+                <a:rPr lang="en-IN" sz="1100" b="0" i="0" dirty="0">
+                  <a:solidFill>
+                    <a:srgbClr val="212529"/>
+                  </a:solidFill>
+                  <a:effectLst/>
+                  <a:highlight>
+                    <a:srgbClr val="FFFFFF"/>
+                  </a:highlight>
+                  <a:latin typeface="system-ui"/>
+                </a:rPr>
+                <a:t> non </a:t>
+              </a:r>
+              <a:r>
+                <a:rPr lang="en-IN" sz="1100" b="0" i="0" dirty="0" err="1">
+                  <a:solidFill>
+                    <a:srgbClr val="212529"/>
+                  </a:solidFill>
+                  <a:effectLst/>
+                  <a:highlight>
+                    <a:srgbClr val="FFFFFF"/>
+                  </a:highlight>
+                  <a:latin typeface="system-ui"/>
+                </a:rPr>
+                <a:t>proident</a:t>
+              </a:r>
+              <a:r>
+                <a:rPr lang="en-IN" sz="1100" b="0" i="0" dirty="0">
+                  <a:solidFill>
+                    <a:srgbClr val="212529"/>
+                  </a:solidFill>
+                  <a:effectLst/>
+                  <a:highlight>
+                    <a:srgbClr val="FFFFFF"/>
+                  </a:highlight>
+                  <a:latin typeface="system-ui"/>
+                </a:rPr>
+                <a:t>, sunt in culpa qui </a:t>
+              </a:r>
+              <a:r>
+                <a:rPr lang="en-IN" sz="1100" b="0" i="0" dirty="0" err="1">
+                  <a:solidFill>
+                    <a:srgbClr val="212529"/>
+                  </a:solidFill>
+                  <a:effectLst/>
+                  <a:highlight>
+                    <a:srgbClr val="FFFFFF"/>
+                  </a:highlight>
+                  <a:latin typeface="system-ui"/>
+                </a:rPr>
+                <a:t>officia</a:t>
+              </a:r>
+              <a:r>
+                <a:rPr lang="en-IN" sz="1100" b="0" i="0" dirty="0">
+                  <a:solidFill>
+                    <a:srgbClr val="212529"/>
+                  </a:solidFill>
+                  <a:effectLst/>
+                  <a:highlight>
+                    <a:srgbClr val="FFFFFF"/>
+                  </a:highlight>
+                  <a:latin typeface="system-ui"/>
+                </a:rPr>
+                <a:t> </a:t>
+              </a:r>
+              <a:r>
+                <a:rPr lang="en-IN" sz="1100" b="0" i="0" dirty="0" err="1">
+                  <a:solidFill>
+                    <a:srgbClr val="212529"/>
+                  </a:solidFill>
+                  <a:effectLst/>
+                  <a:highlight>
+                    <a:srgbClr val="FFFFFF"/>
+                  </a:highlight>
+                  <a:latin typeface="system-ui"/>
+                </a:rPr>
+                <a:t>deserunt</a:t>
+              </a:r>
+              <a:r>
+                <a:rPr lang="en-IN" sz="1100" b="0" i="0" dirty="0">
+                  <a:solidFill>
+                    <a:srgbClr val="212529"/>
+                  </a:solidFill>
+                  <a:effectLst/>
+                  <a:highlight>
+                    <a:srgbClr val="FFFFFF"/>
+                  </a:highlight>
+                  <a:latin typeface="system-ui"/>
+                </a:rPr>
+                <a:t> </a:t>
+              </a:r>
+              <a:r>
+                <a:rPr lang="en-IN" sz="1100" b="0" i="0" dirty="0" err="1">
+                  <a:solidFill>
+                    <a:srgbClr val="212529"/>
+                  </a:solidFill>
+                  <a:effectLst/>
+                  <a:highlight>
+                    <a:srgbClr val="FFFFFF"/>
+                  </a:highlight>
+                  <a:latin typeface="system-ui"/>
+                </a:rPr>
+                <a:t>nollit</a:t>
+              </a:r>
+              <a:r>
+                <a:rPr lang="en-IN" sz="1100" b="0" i="0" dirty="0">
+                  <a:solidFill>
+                    <a:srgbClr val="212529"/>
+                  </a:solidFill>
+                  <a:effectLst/>
+                  <a:highlight>
+                    <a:srgbClr val="FFFFFF"/>
+                  </a:highlight>
+                  <a:latin typeface="system-ui"/>
+                </a:rPr>
+                <a:t> </a:t>
+              </a:r>
+              <a:r>
+                <a:rPr lang="en-IN" sz="1100" b="0" i="0" dirty="0" err="1">
+                  <a:solidFill>
+                    <a:srgbClr val="212529"/>
+                  </a:solidFill>
+                  <a:effectLst/>
+                  <a:highlight>
+                    <a:srgbClr val="FFFFFF"/>
+                  </a:highlight>
+                  <a:latin typeface="system-ui"/>
+                </a:rPr>
+                <a:t>anin</a:t>
+              </a:r>
+              <a:r>
+                <a:rPr lang="en-IN" sz="1100" b="0" i="0" dirty="0">
+                  <a:solidFill>
+                    <a:srgbClr val="212529"/>
+                  </a:solidFill>
+                  <a:effectLst/>
+                  <a:highlight>
+                    <a:srgbClr val="FFFFFF"/>
+                  </a:highlight>
+                  <a:latin typeface="system-ui"/>
+                </a:rPr>
+                <a:t> id </a:t>
+              </a:r>
+              <a:r>
+                <a:rPr lang="en-IN" sz="1100" b="0" i="0" dirty="0" err="1">
+                  <a:solidFill>
+                    <a:srgbClr val="212529"/>
+                  </a:solidFill>
+                  <a:effectLst/>
+                  <a:highlight>
+                    <a:srgbClr val="FFFFFF"/>
+                  </a:highlight>
+                  <a:latin typeface="system-ui"/>
+                </a:rPr>
+                <a:t>est</a:t>
+              </a:r>
+              <a:r>
+                <a:rPr lang="en-IN" sz="1100" b="0" i="0" dirty="0">
+                  <a:solidFill>
+                    <a:srgbClr val="212529"/>
+                  </a:solidFill>
+                  <a:effectLst/>
+                  <a:highlight>
+                    <a:srgbClr val="FFFFFF"/>
+                  </a:highlight>
+                  <a:latin typeface="system-ui"/>
+                </a:rPr>
+                <a:t> </a:t>
+              </a:r>
+              <a:r>
+                <a:rPr lang="en-IN" sz="1100" b="0" i="0" dirty="0" err="1">
+                  <a:solidFill>
+                    <a:srgbClr val="212529"/>
+                  </a:solidFill>
+                  <a:effectLst/>
+                  <a:highlight>
+                    <a:srgbClr val="FFFFFF"/>
+                  </a:highlight>
+                  <a:latin typeface="system-ui"/>
+                </a:rPr>
+                <a:t>laborun</a:t>
+              </a:r>
+              <a:r>
+                <a:rPr lang="en-IN" sz="1100" b="0" i="0" dirty="0">
+                  <a:solidFill>
+                    <a:srgbClr val="212529"/>
+                  </a:solidFill>
+                  <a:effectLst/>
+                  <a:highlight>
+                    <a:srgbClr val="FFFFFF"/>
+                  </a:highlight>
+                  <a:latin typeface="system-ui"/>
+                </a:rPr>
+                <a:t>.</a:t>
+              </a:r>
+              <a:endParaRPr lang="en-GB" sz="1100" dirty="0">
+                <a:latin typeface="Calibri Light" panose="020F0302020204030204" pitchFamily="34" charset="0"/>
+                <a:cs typeface="Calibri Light" panose="020F0302020204030204" pitchFamily="34" charset="0"/>
+              </a:endParaRPr>
             </a:p>
           </p:txBody>
         </p:sp>
@@ -7567,33 +11136,7 @@
                     <a:ea typeface="Calibri" panose="020F0502020204030204" pitchFamily="34" charset="0"/>
                     <a:cs typeface="Calibri Light" panose="020F0302020204030204" pitchFamily="34" charset="0"/>
                   </a:rPr>
-                  <a:t>University of </a:t>
-                </a:r>
-                <a:r>
-                  <a:rPr lang="en-US" sz="1100" dirty="0">
-                    <a:solidFill>
-                      <a:srgbClr val="000000"/>
-                    </a:solidFill>
-                    <a:highlight>
-                      <a:srgbClr val="FFFF00"/>
-                    </a:highlight>
-                    <a:latin typeface="Calibri Light" panose="020F0302020204030204" pitchFamily="34" charset="0"/>
-                    <a:ea typeface="Calibri" panose="020F0502020204030204" pitchFamily="34" charset="0"/>
-                    <a:cs typeface="Calibri Light" panose="020F0302020204030204" pitchFamily="34" charset="0"/>
-                  </a:rPr>
-                  <a:t>……</a:t>
-                </a:r>
-                <a:r>
-                  <a:rPr lang="en-US" sz="1100" dirty="0">
-                    <a:solidFill>
-                      <a:srgbClr val="000000"/>
-                    </a:solidFill>
-                    <a:effectLst/>
-                    <a:latin typeface="Calibri Light" panose="020F0302020204030204" pitchFamily="34" charset="0"/>
-                    <a:ea typeface="Calibri" panose="020F0502020204030204" pitchFamily="34" charset="0"/>
-                    <a:cs typeface="Calibri Light" panose="020F0302020204030204" pitchFamily="34" charset="0"/>
-                  </a:rPr>
-                  <a:t>                </a:t>
+                  <a:t>University of London           </a:t>
                 </a:r>
               </a:p>
               <a:p>
